--- a/docs/diagrams/SetPresetCommandSequenceDiagram.pptx
+++ b/docs/diagrams/SetPresetCommandSequenceDiagram.pptx
@@ -3765,8 +3765,8 @@
         </p:nvSpPr>
         <p:spPr>
           <a:xfrm>
-            <a:off x="7020648" y="234931"/>
-            <a:ext cx="3516925" cy="7335272"/>
+            <a:off x="7020648" y="251347"/>
+            <a:ext cx="3516925" cy="6877874"/>
           </a:xfrm>
           <a:prstGeom prst="roundRect">
             <a:avLst>
@@ -3826,8 +3826,8 @@
         </p:nvSpPr>
         <p:spPr>
           <a:xfrm>
-            <a:off x="1219882" y="232672"/>
-            <a:ext cx="5815693" cy="7335273"/>
+            <a:off x="1219882" y="232673"/>
+            <a:ext cx="5815693" cy="6896548"/>
           </a:xfrm>
           <a:prstGeom prst="roundRect">
             <a:avLst>
@@ -4358,7 +4358,7 @@
                   <a:srgbClr val="0070C0"/>
                 </a:solidFill>
               </a:rPr>
-              <a:t>savepreset</a:t>
+              <a:t>setpreset</a:t>
             </a:r>
             <a:endParaRPr lang="en-US" sz="1400" dirty="0">
               <a:solidFill>
@@ -4728,7 +4728,7 @@
             </a:r>
             <a:r>
               <a:rPr lang="en-US" sz="1000" dirty="0" err="1"/>
-              <a:t>savepreset</a:t>
+              <a:t>setpreset</a:t>
             </a:r>
             <a:r>
               <a:rPr lang="en-US" sz="1000" dirty="0"/>
@@ -4853,7 +4853,7 @@
             <a:pPr algn="ctr"/>
             <a:r>
               <a:rPr lang="en-US" sz="1200" dirty="0" err="1"/>
-              <a:t>SavePresetCommand</a:t>
+              <a:t>SetPresetCommand</a:t>
             </a:r>
             <a:endParaRPr lang="en-US" sz="1200" dirty="0"/>
           </a:p>
@@ -5108,7 +5108,7 @@
                   <a:schemeClr val="bg1"/>
                 </a:solidFill>
               </a:rPr>
-              <a:t>SavePreset</a:t>
+              <a:t>SetPreset</a:t>
             </a:r>
             <a:br>
               <a:rPr lang="en-US" sz="1200" dirty="0">
@@ -5328,7 +5328,7 @@
         <p:spPr>
           <a:xfrm>
             <a:off x="6478632" y="2482096"/>
-            <a:ext cx="1292341" cy="246221"/>
+            <a:ext cx="1047082" cy="246221"/>
           </a:xfrm>
           <a:prstGeom prst="rect">
             <a:avLst/>
@@ -5348,7 +5348,7 @@
                   </a:schemeClr>
                 </a:solidFill>
               </a:rPr>
-              <a:t>getTempSubHistory</a:t>
+              <a:t>getTempImage</a:t>
             </a:r>
             <a:r>
               <a:rPr lang="en-SG" sz="1000" dirty="0">
@@ -5528,7 +5528,7 @@
         <p:spPr>
           <a:xfrm>
             <a:off x="6626188" y="2700864"/>
-            <a:ext cx="883575" cy="246221"/>
+            <a:ext cx="792205" cy="246221"/>
           </a:xfrm>
           <a:prstGeom prst="rect">
             <a:avLst/>
@@ -5546,7 +5546,7 @@
                   <a:srgbClr val="7030A0"/>
                 </a:solidFill>
               </a:rPr>
-              <a:t>commandList</a:t>
+              <a:t>initialImage</a:t>
             </a:r>
             <a:endParaRPr lang="en-US" sz="1000" dirty="0">
               <a:solidFill>
@@ -5567,13 +5567,14 @@
           </p:cNvPr>
           <p:cNvCxnSpPr>
             <a:cxnSpLocks/>
+            <a:stCxn id="196" idx="2"/>
           </p:cNvCxnSpPr>
           <p:nvPr/>
         </p:nvCxnSpPr>
         <p:spPr>
           <a:xfrm flipH="1">
-            <a:off x="9277242" y="5348082"/>
-            <a:ext cx="1937" cy="1368316"/>
+            <a:off x="9348719" y="2947085"/>
+            <a:ext cx="22279" cy="3768631"/>
           </a:xfrm>
           <a:prstGeom prst="line">
             <a:avLst/>
@@ -5615,7 +5616,7 @@
         </p:nvSpPr>
         <p:spPr>
           <a:xfrm>
-            <a:off x="8364388" y="4942514"/>
+            <a:off x="8387294" y="2563087"/>
             <a:ext cx="1967407" cy="383998"/>
           </a:xfrm>
           <a:prstGeom prst="rect">
@@ -5676,10 +5677,10 @@
       </p:sp>
       <p:cxnSp>
         <p:nvCxnSpPr>
-          <p:cNvPr id="198" name="Straight Arrow Connector 197">
-            <a:extLst>
-              <a:ext uri="{FF2B5EF4-FFF2-40B4-BE49-F238E27FC236}">
-                <a16:creationId xmlns:a16="http://schemas.microsoft.com/office/drawing/2014/main" id="{5890210A-80CA-F84F-9460-DBC4A3457D5F}"/>
+          <p:cNvPr id="70" name="Straight Arrow Connector 69">
+            <a:extLst>
+              <a:ext uri="{FF2B5EF4-FFF2-40B4-BE49-F238E27FC236}">
+                <a16:creationId xmlns:a16="http://schemas.microsoft.com/office/drawing/2014/main" id="{7C248102-2DBA-7A46-A467-01844ED41399}"/>
               </a:ext>
             </a:extLst>
           </p:cNvPr>
@@ -5690,8 +5691,8 @@
         </p:nvCxnSpPr>
         <p:spPr>
           <a:xfrm>
-            <a:off x="6377124" y="5519443"/>
-            <a:ext cx="2793762" cy="0"/>
+            <a:off x="6406943" y="3139166"/>
+            <a:ext cx="2859500" cy="0"/>
           </a:xfrm>
           <a:prstGeom prst="straightConnector1">
             <a:avLst/>
@@ -5720,10 +5721,730 @@
       </p:cxnSp>
       <p:sp>
         <p:nvSpPr>
-          <p:cNvPr id="199" name="TextBox 198">
-            <a:extLst>
-              <a:ext uri="{FF2B5EF4-FFF2-40B4-BE49-F238E27FC236}">
-                <a16:creationId xmlns:a16="http://schemas.microsoft.com/office/drawing/2014/main" id="{64993030-D398-AA47-9346-44E8C2F351DB}"/>
+          <p:cNvPr id="71" name="Rectangle 70">
+            <a:extLst>
+              <a:ext uri="{FF2B5EF4-FFF2-40B4-BE49-F238E27FC236}">
+                <a16:creationId xmlns:a16="http://schemas.microsoft.com/office/drawing/2014/main" id="{521FE67F-9EA8-F242-AE30-138A869CE8AB}"/>
+              </a:ext>
+            </a:extLst>
+          </p:cNvPr>
+          <p:cNvSpPr/>
+          <p:nvPr/>
+        </p:nvSpPr>
+        <p:spPr>
+          <a:xfrm>
+            <a:off x="9264266" y="3120847"/>
+            <a:ext cx="209110" cy="253481"/>
+          </a:xfrm>
+          <a:prstGeom prst="rect">
+            <a:avLst/>
+          </a:prstGeom>
+          <a:solidFill>
+            <a:srgbClr val="953735"/>
+          </a:solidFill>
+          <a:ln>
+            <a:solidFill>
+              <a:srgbClr val="953735"/>
+            </a:solidFill>
+          </a:ln>
+          <a:effectLst/>
+        </p:spPr>
+        <p:style>
+          <a:lnRef idx="1">
+            <a:schemeClr val="accent3"/>
+          </a:lnRef>
+          <a:fillRef idx="2">
+            <a:schemeClr val="accent3"/>
+          </a:fillRef>
+          <a:effectRef idx="1">
+            <a:schemeClr val="accent3"/>
+          </a:effectRef>
+          <a:fontRef idx="minor">
+            <a:schemeClr val="dk1"/>
+          </a:fontRef>
+        </p:style>
+        <p:txBody>
+          <a:bodyPr rtlCol="0" anchor="ctr"/>
+          <a:lstStyle/>
+          <a:p>
+            <a:pPr algn="ctr"/>
+            <a:endParaRPr lang="en-SG" sz="1400"/>
+          </a:p>
+        </p:txBody>
+      </p:sp>
+      <p:sp>
+        <p:nvSpPr>
+          <p:cNvPr id="72" name="Rectangle 71">
+            <a:extLst>
+              <a:ext uri="{FF2B5EF4-FFF2-40B4-BE49-F238E27FC236}">
+                <a16:creationId xmlns:a16="http://schemas.microsoft.com/office/drawing/2014/main" id="{D23CABB1-716F-9D4A-BAFD-1EC1FDDF4160}"/>
+              </a:ext>
+            </a:extLst>
+          </p:cNvPr>
+          <p:cNvSpPr/>
+          <p:nvPr/>
+        </p:nvSpPr>
+        <p:spPr>
+          <a:xfrm>
+            <a:off x="7881069" y="2936757"/>
+            <a:ext cx="739305" cy="246221"/>
+          </a:xfrm>
+          <a:prstGeom prst="rect">
+            <a:avLst/>
+          </a:prstGeom>
+        </p:spPr>
+        <p:txBody>
+          <a:bodyPr wrap="none">
+            <a:spAutoFit/>
+          </a:bodyPr>
+          <a:lstStyle/>
+          <a:p>
+            <a:r>
+              <a:rPr lang="en-SG" sz="1000" dirty="0" err="1">
+                <a:solidFill>
+                  <a:schemeClr val="accent1">
+                    <a:lumMod val="75000"/>
+                  </a:schemeClr>
+                </a:solidFill>
+              </a:rPr>
+              <a:t>isPresent</a:t>
+            </a:r>
+            <a:r>
+              <a:rPr lang="en-SG" sz="1000" dirty="0">
+                <a:solidFill>
+                  <a:schemeClr val="accent1">
+                    <a:lumMod val="75000"/>
+                  </a:schemeClr>
+                </a:solidFill>
+              </a:rPr>
+              <a:t>()</a:t>
+            </a:r>
+            <a:endParaRPr lang="en-US" sz="1000" dirty="0">
+              <a:solidFill>
+                <a:schemeClr val="accent1">
+                  <a:lumMod val="75000"/>
+                </a:schemeClr>
+              </a:solidFill>
+            </a:endParaRPr>
+          </a:p>
+        </p:txBody>
+      </p:sp>
+      <p:cxnSp>
+        <p:nvCxnSpPr>
+          <p:cNvPr id="73" name="Straight Arrow Connector 72">
+            <a:extLst>
+              <a:ext uri="{FF2B5EF4-FFF2-40B4-BE49-F238E27FC236}">
+                <a16:creationId xmlns:a16="http://schemas.microsoft.com/office/drawing/2014/main" id="{765376EA-7A2E-1C4A-9B89-657C6CA19F3A}"/>
+              </a:ext>
+            </a:extLst>
+          </p:cNvPr>
+          <p:cNvCxnSpPr>
+            <a:cxnSpLocks/>
+          </p:cNvCxnSpPr>
+          <p:nvPr/>
+        </p:nvCxnSpPr>
+        <p:spPr>
+          <a:xfrm>
+            <a:off x="6405477" y="3374328"/>
+            <a:ext cx="2829172" cy="0"/>
+          </a:xfrm>
+          <a:prstGeom prst="straightConnector1">
+            <a:avLst/>
+          </a:prstGeom>
+          <a:ln w="19050">
+            <a:solidFill>
+              <a:srgbClr val="953735"/>
+            </a:solidFill>
+            <a:prstDash val="sysDash"/>
+            <a:headEnd type="arrow" w="med" len="med"/>
+            <a:tailEnd type="none" w="med" len="med"/>
+          </a:ln>
+        </p:spPr>
+        <p:style>
+          <a:lnRef idx="1">
+            <a:schemeClr val="accent1"/>
+          </a:lnRef>
+          <a:fillRef idx="0">
+            <a:schemeClr val="accent1"/>
+          </a:fillRef>
+          <a:effectRef idx="0">
+            <a:schemeClr val="accent1"/>
+          </a:effectRef>
+          <a:fontRef idx="minor">
+            <a:schemeClr val="tx1"/>
+          </a:fontRef>
+        </p:style>
+      </p:cxnSp>
+      <p:sp>
+        <p:nvSpPr>
+          <p:cNvPr id="74" name="Rectangle 73">
+            <a:extLst>
+              <a:ext uri="{FF2B5EF4-FFF2-40B4-BE49-F238E27FC236}">
+                <a16:creationId xmlns:a16="http://schemas.microsoft.com/office/drawing/2014/main" id="{1F097ECC-D8CB-DF44-9C37-E22FF698BB41}"/>
+              </a:ext>
+            </a:extLst>
+          </p:cNvPr>
+          <p:cNvSpPr/>
+          <p:nvPr/>
+        </p:nvSpPr>
+        <p:spPr>
+          <a:xfrm>
+            <a:off x="9279179" y="3553740"/>
+            <a:ext cx="209110" cy="253481"/>
+          </a:xfrm>
+          <a:prstGeom prst="rect">
+            <a:avLst/>
+          </a:prstGeom>
+          <a:solidFill>
+            <a:srgbClr val="953735"/>
+          </a:solidFill>
+          <a:ln>
+            <a:solidFill>
+              <a:srgbClr val="953735"/>
+            </a:solidFill>
+          </a:ln>
+          <a:effectLst/>
+        </p:spPr>
+        <p:style>
+          <a:lnRef idx="1">
+            <a:schemeClr val="accent3"/>
+          </a:lnRef>
+          <a:fillRef idx="2">
+            <a:schemeClr val="accent3"/>
+          </a:fillRef>
+          <a:effectRef idx="1">
+            <a:schemeClr val="accent3"/>
+          </a:effectRef>
+          <a:fontRef idx="minor">
+            <a:schemeClr val="dk1"/>
+          </a:fontRef>
+        </p:style>
+        <p:txBody>
+          <a:bodyPr rtlCol="0" anchor="ctr"/>
+          <a:lstStyle/>
+          <a:p>
+            <a:pPr algn="ctr"/>
+            <a:endParaRPr lang="en-SG" sz="1400"/>
+          </a:p>
+        </p:txBody>
+      </p:sp>
+      <p:cxnSp>
+        <p:nvCxnSpPr>
+          <p:cNvPr id="75" name="Straight Arrow Connector 74">
+            <a:extLst>
+              <a:ext uri="{FF2B5EF4-FFF2-40B4-BE49-F238E27FC236}">
+                <a16:creationId xmlns:a16="http://schemas.microsoft.com/office/drawing/2014/main" id="{B2D1286C-92DE-BB4D-9224-18C8B4ACD36A}"/>
+              </a:ext>
+            </a:extLst>
+          </p:cNvPr>
+          <p:cNvCxnSpPr>
+            <a:cxnSpLocks/>
+          </p:cNvCxnSpPr>
+          <p:nvPr/>
+        </p:nvCxnSpPr>
+        <p:spPr>
+          <a:xfrm>
+            <a:off x="6398299" y="3602378"/>
+            <a:ext cx="2889117" cy="0"/>
+          </a:xfrm>
+          <a:prstGeom prst="straightConnector1">
+            <a:avLst/>
+          </a:prstGeom>
+          <a:ln w="19050">
+            <a:solidFill>
+              <a:srgbClr val="0070C0"/>
+            </a:solidFill>
+            <a:tailEnd type="arrow"/>
+          </a:ln>
+        </p:spPr>
+        <p:style>
+          <a:lnRef idx="1">
+            <a:schemeClr val="accent1"/>
+          </a:lnRef>
+          <a:fillRef idx="0">
+            <a:schemeClr val="accent1"/>
+          </a:fillRef>
+          <a:effectRef idx="0">
+            <a:schemeClr val="accent1"/>
+          </a:effectRef>
+          <a:fontRef idx="minor">
+            <a:schemeClr val="tx1"/>
+          </a:fontRef>
+        </p:style>
+      </p:cxnSp>
+      <p:sp>
+        <p:nvSpPr>
+          <p:cNvPr id="77" name="Rectangle 76">
+            <a:extLst>
+              <a:ext uri="{FF2B5EF4-FFF2-40B4-BE49-F238E27FC236}">
+                <a16:creationId xmlns:a16="http://schemas.microsoft.com/office/drawing/2014/main" id="{BD5315F3-969C-B94D-A3FE-2322F12EC65C}"/>
+              </a:ext>
+            </a:extLst>
+          </p:cNvPr>
+          <p:cNvSpPr/>
+          <p:nvPr/>
+        </p:nvSpPr>
+        <p:spPr>
+          <a:xfrm>
+            <a:off x="7903841" y="3370580"/>
+            <a:ext cx="1269899" cy="246221"/>
+          </a:xfrm>
+          <a:prstGeom prst="rect">
+            <a:avLst/>
+          </a:prstGeom>
+        </p:spPr>
+        <p:txBody>
+          <a:bodyPr wrap="none">
+            <a:spAutoFit/>
+          </a:bodyPr>
+          <a:lstStyle/>
+          <a:p>
+            <a:r>
+              <a:rPr lang="en-SG" sz="1000" dirty="0" err="1">
+                <a:solidFill>
+                  <a:schemeClr val="accent1">
+                    <a:lumMod val="75000"/>
+                  </a:schemeClr>
+                </a:solidFill>
+              </a:rPr>
+              <a:t>findTransformation</a:t>
+            </a:r>
+            <a:r>
+              <a:rPr lang="en-SG" sz="1000" dirty="0">
+                <a:solidFill>
+                  <a:schemeClr val="accent1">
+                    <a:lumMod val="75000"/>
+                  </a:schemeClr>
+                </a:solidFill>
+              </a:rPr>
+              <a:t>()</a:t>
+            </a:r>
+            <a:endParaRPr lang="en-US" sz="1000" dirty="0">
+              <a:solidFill>
+                <a:schemeClr val="accent1">
+                  <a:lumMod val="75000"/>
+                </a:schemeClr>
+              </a:solidFill>
+            </a:endParaRPr>
+          </a:p>
+        </p:txBody>
+      </p:sp>
+      <p:cxnSp>
+        <p:nvCxnSpPr>
+          <p:cNvPr id="78" name="Straight Arrow Connector 77">
+            <a:extLst>
+              <a:ext uri="{FF2B5EF4-FFF2-40B4-BE49-F238E27FC236}">
+                <a16:creationId xmlns:a16="http://schemas.microsoft.com/office/drawing/2014/main" id="{2E567D17-EDD6-7842-9B27-A4FE47165827}"/>
+              </a:ext>
+            </a:extLst>
+          </p:cNvPr>
+          <p:cNvCxnSpPr>
+            <a:cxnSpLocks/>
+            <a:endCxn id="74" idx="2"/>
+          </p:cNvCxnSpPr>
+          <p:nvPr/>
+        </p:nvCxnSpPr>
+        <p:spPr>
+          <a:xfrm flipV="1">
+            <a:off x="6395031" y="3807221"/>
+            <a:ext cx="2988703" cy="19600"/>
+          </a:xfrm>
+          <a:prstGeom prst="straightConnector1">
+            <a:avLst/>
+          </a:prstGeom>
+          <a:ln w="19050">
+            <a:solidFill>
+              <a:srgbClr val="953735"/>
+            </a:solidFill>
+            <a:prstDash val="sysDash"/>
+            <a:headEnd type="arrow" w="med" len="med"/>
+            <a:tailEnd type="none" w="med" len="med"/>
+          </a:ln>
+        </p:spPr>
+        <p:style>
+          <a:lnRef idx="1">
+            <a:schemeClr val="accent1"/>
+          </a:lnRef>
+          <a:fillRef idx="0">
+            <a:schemeClr val="accent1"/>
+          </a:fillRef>
+          <a:effectRef idx="0">
+            <a:schemeClr val="accent1"/>
+          </a:effectRef>
+          <a:fontRef idx="minor">
+            <a:schemeClr val="tx1"/>
+          </a:fontRef>
+        </p:style>
+      </p:cxnSp>
+      <p:cxnSp>
+        <p:nvCxnSpPr>
+          <p:cNvPr id="84" name="Straight Arrow Connector 83">
+            <a:extLst>
+              <a:ext uri="{FF2B5EF4-FFF2-40B4-BE49-F238E27FC236}">
+                <a16:creationId xmlns:a16="http://schemas.microsoft.com/office/drawing/2014/main" id="{B28DD019-605A-B848-95A0-491DBDCA1C3E}"/>
+              </a:ext>
+            </a:extLst>
+          </p:cNvPr>
+          <p:cNvCxnSpPr>
+            <a:cxnSpLocks/>
+          </p:cNvCxnSpPr>
+          <p:nvPr/>
+        </p:nvCxnSpPr>
+        <p:spPr>
+          <a:xfrm>
+            <a:off x="6408688" y="4117426"/>
+            <a:ext cx="2889117" cy="0"/>
+          </a:xfrm>
+          <a:prstGeom prst="straightConnector1">
+            <a:avLst/>
+          </a:prstGeom>
+          <a:ln w="19050">
+            <a:solidFill>
+              <a:srgbClr val="0070C0"/>
+            </a:solidFill>
+            <a:tailEnd type="arrow"/>
+          </a:ln>
+        </p:spPr>
+        <p:style>
+          <a:lnRef idx="1">
+            <a:schemeClr val="accent1"/>
+          </a:lnRef>
+          <a:fillRef idx="0">
+            <a:schemeClr val="accent1"/>
+          </a:fillRef>
+          <a:effectRef idx="0">
+            <a:schemeClr val="accent1"/>
+          </a:effectRef>
+          <a:fontRef idx="minor">
+            <a:schemeClr val="tx1"/>
+          </a:fontRef>
+        </p:style>
+      </p:cxnSp>
+      <p:sp>
+        <p:nvSpPr>
+          <p:cNvPr id="85" name="Rectangle 84">
+            <a:extLst>
+              <a:ext uri="{FF2B5EF4-FFF2-40B4-BE49-F238E27FC236}">
+                <a16:creationId xmlns:a16="http://schemas.microsoft.com/office/drawing/2014/main" id="{47C6DFBB-FF32-834E-94E7-9503167BCD0C}"/>
+              </a:ext>
+            </a:extLst>
+          </p:cNvPr>
+          <p:cNvSpPr/>
+          <p:nvPr/>
+        </p:nvSpPr>
+        <p:spPr>
+          <a:xfrm>
+            <a:off x="9279931" y="4111350"/>
+            <a:ext cx="209110" cy="253481"/>
+          </a:xfrm>
+          <a:prstGeom prst="rect">
+            <a:avLst/>
+          </a:prstGeom>
+          <a:solidFill>
+            <a:srgbClr val="953735"/>
+          </a:solidFill>
+          <a:ln>
+            <a:solidFill>
+              <a:srgbClr val="953735"/>
+            </a:solidFill>
+          </a:ln>
+          <a:effectLst/>
+        </p:spPr>
+        <p:style>
+          <a:lnRef idx="1">
+            <a:schemeClr val="accent3"/>
+          </a:lnRef>
+          <a:fillRef idx="2">
+            <a:schemeClr val="accent3"/>
+          </a:fillRef>
+          <a:effectRef idx="1">
+            <a:schemeClr val="accent3"/>
+          </a:effectRef>
+          <a:fontRef idx="minor">
+            <a:schemeClr val="dk1"/>
+          </a:fontRef>
+        </p:style>
+        <p:txBody>
+          <a:bodyPr rtlCol="0" anchor="ctr"/>
+          <a:lstStyle/>
+          <a:p>
+            <a:pPr algn="ctr"/>
+            <a:endParaRPr lang="en-SG" sz="1400"/>
+          </a:p>
+        </p:txBody>
+      </p:sp>
+      <p:sp>
+        <p:nvSpPr>
+          <p:cNvPr id="86" name="Rectangle 85">
+            <a:extLst>
+              <a:ext uri="{FF2B5EF4-FFF2-40B4-BE49-F238E27FC236}">
+                <a16:creationId xmlns:a16="http://schemas.microsoft.com/office/drawing/2014/main" id="{1F8826FA-88C0-2A4F-BBBA-53F0D8E8A654}"/>
+              </a:ext>
+            </a:extLst>
+          </p:cNvPr>
+          <p:cNvSpPr/>
+          <p:nvPr/>
+        </p:nvSpPr>
+        <p:spPr>
+          <a:xfrm>
+            <a:off x="7860573" y="3879885"/>
+            <a:ext cx="1576072" cy="246221"/>
+          </a:xfrm>
+          <a:prstGeom prst="rect">
+            <a:avLst/>
+          </a:prstGeom>
+        </p:spPr>
+        <p:txBody>
+          <a:bodyPr wrap="none">
+            <a:spAutoFit/>
+          </a:bodyPr>
+          <a:lstStyle/>
+          <a:p>
+            <a:r>
+              <a:rPr lang="en-SG" sz="1000" dirty="0" err="1">
+                <a:solidFill>
+                  <a:schemeClr val="accent1">
+                    <a:lumMod val="75000"/>
+                  </a:schemeClr>
+                </a:solidFill>
+              </a:rPr>
+              <a:t>hasWaterMarkCommand</a:t>
+            </a:r>
+            <a:r>
+              <a:rPr lang="en-SG" sz="1000" dirty="0">
+                <a:solidFill>
+                  <a:schemeClr val="accent1">
+                    <a:lumMod val="75000"/>
+                  </a:schemeClr>
+                </a:solidFill>
+              </a:rPr>
+              <a:t>()</a:t>
+            </a:r>
+            <a:endParaRPr lang="en-US" sz="1000" dirty="0">
+              <a:solidFill>
+                <a:schemeClr val="accent1">
+                  <a:lumMod val="75000"/>
+                </a:schemeClr>
+              </a:solidFill>
+            </a:endParaRPr>
+          </a:p>
+        </p:txBody>
+      </p:sp>
+      <p:sp>
+        <p:nvSpPr>
+          <p:cNvPr id="88" name="Rectangle 65">
+            <a:extLst>
+              <a:ext uri="{FF2B5EF4-FFF2-40B4-BE49-F238E27FC236}">
+                <a16:creationId xmlns:a16="http://schemas.microsoft.com/office/drawing/2014/main" id="{C6E7E13C-5621-954E-8D5C-934BFE975C35}"/>
+              </a:ext>
+            </a:extLst>
+          </p:cNvPr>
+          <p:cNvSpPr/>
+          <p:nvPr/>
+        </p:nvSpPr>
+        <p:spPr>
+          <a:xfrm>
+            <a:off x="10543129" y="245650"/>
+            <a:ext cx="2293212" cy="6883571"/>
+          </a:xfrm>
+          <a:prstGeom prst="roundRect">
+            <a:avLst>
+              <a:gd name="adj" fmla="val 3484"/>
+            </a:avLst>
+          </a:prstGeom>
+          <a:solidFill>
+            <a:schemeClr val="accent6">
+              <a:lumMod val="20000"/>
+              <a:lumOff val="80000"/>
+            </a:schemeClr>
+          </a:solidFill>
+          <a:ln w="19050">
+            <a:noFill/>
+          </a:ln>
+          <a:effectLst/>
+        </p:spPr>
+        <p:style>
+          <a:lnRef idx="1">
+            <a:schemeClr val="accent2"/>
+          </a:lnRef>
+          <a:fillRef idx="2">
+            <a:schemeClr val="accent2"/>
+          </a:fillRef>
+          <a:effectRef idx="1">
+            <a:schemeClr val="accent2"/>
+          </a:effectRef>
+          <a:fontRef idx="minor">
+            <a:schemeClr val="dk1"/>
+          </a:fontRef>
+        </p:style>
+        <p:txBody>
+          <a:bodyPr rtlCol="0" anchor="t"/>
+          <a:lstStyle/>
+          <a:p>
+            <a:r>
+              <a:rPr lang="en-US" sz="1200" b="1" dirty="0">
+                <a:solidFill>
+                  <a:schemeClr val="tx1"/>
+                </a:solidFill>
+              </a:rPr>
+              <a:t>UI</a:t>
+            </a:r>
+            <a:endParaRPr lang="en-SG" sz="1200" b="1" dirty="0">
+              <a:solidFill>
+                <a:schemeClr val="tx1"/>
+              </a:solidFill>
+            </a:endParaRPr>
+          </a:p>
+        </p:txBody>
+      </p:sp>
+      <p:sp>
+        <p:nvSpPr>
+          <p:cNvPr id="89" name="Rectangle 88">
+            <a:extLst>
+              <a:ext uri="{FF2B5EF4-FFF2-40B4-BE49-F238E27FC236}">
+                <a16:creationId xmlns:a16="http://schemas.microsoft.com/office/drawing/2014/main" id="{2CA39AA9-BC2C-EB4E-9B76-D1C69D26D897}"/>
+              </a:ext>
+            </a:extLst>
+          </p:cNvPr>
+          <p:cNvSpPr/>
+          <p:nvPr/>
+        </p:nvSpPr>
+        <p:spPr>
+          <a:xfrm>
+            <a:off x="7896097" y="3619060"/>
+            <a:ext cx="694421" cy="246221"/>
+          </a:xfrm>
+          <a:prstGeom prst="rect">
+            <a:avLst/>
+          </a:prstGeom>
+        </p:spPr>
+        <p:txBody>
+          <a:bodyPr wrap="none">
+            <a:spAutoFit/>
+          </a:bodyPr>
+          <a:lstStyle/>
+          <a:p>
+            <a:r>
+              <a:rPr lang="en-SG" sz="1000" dirty="0" err="1">
+                <a:solidFill>
+                  <a:srgbClr val="953735"/>
+                </a:solidFill>
+              </a:rPr>
+              <a:t>presetList</a:t>
+            </a:r>
+            <a:endParaRPr lang="en-US" sz="1000" dirty="0">
+              <a:solidFill>
+                <a:srgbClr val="953735"/>
+              </a:solidFill>
+            </a:endParaRPr>
+          </a:p>
+        </p:txBody>
+      </p:sp>
+      <p:sp>
+        <p:nvSpPr>
+          <p:cNvPr id="90" name="Rectangle 89">
+            <a:extLst>
+              <a:ext uri="{FF2B5EF4-FFF2-40B4-BE49-F238E27FC236}">
+                <a16:creationId xmlns:a16="http://schemas.microsoft.com/office/drawing/2014/main" id="{9E565950-D796-2747-BAA7-32706C55F59C}"/>
+              </a:ext>
+            </a:extLst>
+          </p:cNvPr>
+          <p:cNvSpPr/>
+          <p:nvPr/>
+        </p:nvSpPr>
+        <p:spPr>
+          <a:xfrm>
+            <a:off x="4766541" y="4279033"/>
+            <a:ext cx="3360592" cy="1160130"/>
+          </a:xfrm>
+          <a:prstGeom prst="rect">
+            <a:avLst/>
+          </a:prstGeom>
+          <a:noFill/>
+        </p:spPr>
+        <p:style>
+          <a:lnRef idx="2">
+            <a:schemeClr val="accent1">
+              <a:shade val="50000"/>
+            </a:schemeClr>
+          </a:lnRef>
+          <a:fillRef idx="1">
+            <a:schemeClr val="accent1"/>
+          </a:fillRef>
+          <a:effectRef idx="0">
+            <a:schemeClr val="accent1"/>
+          </a:effectRef>
+          <a:fontRef idx="minor">
+            <a:schemeClr val="lt1"/>
+          </a:fontRef>
+        </p:style>
+        <p:txBody>
+          <a:bodyPr rtlCol="0" anchor="ctr"/>
+          <a:lstStyle/>
+          <a:p>
+            <a:pPr algn="ctr"/>
+            <a:endParaRPr lang="en-SG"/>
+          </a:p>
+        </p:txBody>
+      </p:sp>
+      <p:sp>
+        <p:nvSpPr>
+          <p:cNvPr id="91" name="Snip and Round Single Corner Rectangle 90">
+            <a:extLst>
+              <a:ext uri="{FF2B5EF4-FFF2-40B4-BE49-F238E27FC236}">
+                <a16:creationId xmlns:a16="http://schemas.microsoft.com/office/drawing/2014/main" id="{F26ADD9A-605C-E84E-B062-141A68EA59BC}"/>
+              </a:ext>
+            </a:extLst>
+          </p:cNvPr>
+          <p:cNvSpPr/>
+          <p:nvPr/>
+        </p:nvSpPr>
+        <p:spPr>
+          <a:xfrm flipV="1">
+            <a:off x="4786618" y="4278263"/>
+            <a:ext cx="664818" cy="416592"/>
+          </a:xfrm>
+          <a:prstGeom prst="snipRoundRect">
+            <a:avLst/>
+          </a:prstGeom>
+          <a:noFill/>
+          <a:ln w="25400">
+            <a:solidFill>
+              <a:schemeClr val="tx1"/>
+            </a:solidFill>
+          </a:ln>
+        </p:spPr>
+        <p:style>
+          <a:lnRef idx="2">
+            <a:schemeClr val="accent1">
+              <a:shade val="50000"/>
+            </a:schemeClr>
+          </a:lnRef>
+          <a:fillRef idx="1">
+            <a:schemeClr val="accent1"/>
+          </a:fillRef>
+          <a:effectRef idx="0">
+            <a:schemeClr val="accent1"/>
+          </a:effectRef>
+          <a:fontRef idx="minor">
+            <a:schemeClr val="lt1"/>
+          </a:fontRef>
+        </p:style>
+        <p:txBody>
+          <a:bodyPr rtlCol="0" anchor="ctr"/>
+          <a:lstStyle/>
+          <a:p>
+            <a:pPr algn="ctr"/>
+            <a:endParaRPr lang="en-US"/>
+          </a:p>
+        </p:txBody>
+      </p:sp>
+      <p:sp>
+        <p:nvSpPr>
+          <p:cNvPr id="92" name="TextBox 91">
+            <a:extLst>
+              <a:ext uri="{FF2B5EF4-FFF2-40B4-BE49-F238E27FC236}">
+                <a16:creationId xmlns:a16="http://schemas.microsoft.com/office/drawing/2014/main" id="{04CA4077-E300-3F41-851C-03179F021733}"/>
               </a:ext>
             </a:extLst>
           </p:cNvPr>
@@ -5732,8 +6453,43 @@
         </p:nvSpPr>
         <p:spPr>
           <a:xfrm>
-            <a:off x="7322122" y="5348082"/>
-            <a:ext cx="1944321" cy="154119"/>
+            <a:off x="4876712" y="4326551"/>
+            <a:ext cx="1738200" cy="276999"/>
+          </a:xfrm>
+          <a:prstGeom prst="rect">
+            <a:avLst/>
+          </a:prstGeom>
+          <a:noFill/>
+        </p:spPr>
+        <p:txBody>
+          <a:bodyPr wrap="square" rtlCol="0">
+            <a:spAutoFit/>
+          </a:bodyPr>
+          <a:lstStyle/>
+          <a:p>
+            <a:r>
+              <a:rPr lang="en-US" sz="1200" dirty="0"/>
+              <a:t>loop</a:t>
+            </a:r>
+          </a:p>
+        </p:txBody>
+      </p:sp>
+      <p:sp>
+        <p:nvSpPr>
+          <p:cNvPr id="94" name="TextBox 93">
+            <a:extLst>
+              <a:ext uri="{FF2B5EF4-FFF2-40B4-BE49-F238E27FC236}">
+                <a16:creationId xmlns:a16="http://schemas.microsoft.com/office/drawing/2014/main" id="{7AE39A1A-1CDB-2443-AF27-DB0F7161AD06}"/>
+              </a:ext>
+            </a:extLst>
+          </p:cNvPr>
+          <p:cNvSpPr txBox="1"/>
+          <p:nvPr/>
+        </p:nvSpPr>
+        <p:spPr>
+          <a:xfrm>
+            <a:off x="4500001" y="4734317"/>
+            <a:ext cx="1365403" cy="369332"/>
           </a:xfrm>
           <a:prstGeom prst="rect">
             <a:avLst/>
@@ -5759,68 +6515,89 @@
           <a:p>
             <a:pPr algn="ctr"/>
             <a:r>
-              <a:rPr lang="en-US" sz="1000" dirty="0" err="1"/>
-              <a:t>isPresent</a:t>
-            </a:r>
-            <a:r>
-              <a:rPr lang="en-US" sz="1000" dirty="0"/>
-              <a:t>()</a:t>
-            </a:r>
-          </a:p>
-        </p:txBody>
-      </p:sp>
-      <p:cxnSp>
-        <p:nvCxnSpPr>
-          <p:cNvPr id="200" name="Straight Arrow Connector 199">
-            <a:extLst>
-              <a:ext uri="{FF2B5EF4-FFF2-40B4-BE49-F238E27FC236}">
-                <a16:creationId xmlns:a16="http://schemas.microsoft.com/office/drawing/2014/main" id="{F3555153-9974-4541-B4FF-D889BFE31638}"/>
-              </a:ext>
-            </a:extLst>
-          </p:cNvPr>
-          <p:cNvCxnSpPr>
-            <a:cxnSpLocks/>
-          </p:cNvCxnSpPr>
+              <a:rPr lang="en-US" sz="1200" dirty="0">
+                <a:solidFill>
+                  <a:schemeClr val="tx1"/>
+                </a:solidFill>
+              </a:rPr>
+              <a:t>[until end of </a:t>
+            </a:r>
+            <a:r>
+              <a:rPr lang="en-US" sz="1200" dirty="0" err="1">
+                <a:solidFill>
+                  <a:schemeClr val="tx1"/>
+                </a:solidFill>
+              </a:rPr>
+              <a:t>presetList</a:t>
+            </a:r>
+            <a:r>
+              <a:rPr lang="en-US" sz="1200" dirty="0">
+                <a:solidFill>
+                  <a:schemeClr val="tx1"/>
+                </a:solidFill>
+              </a:rPr>
+              <a:t>]</a:t>
+            </a:r>
+          </a:p>
+        </p:txBody>
+      </p:sp>
+      <p:sp>
+        <p:nvSpPr>
+          <p:cNvPr id="99" name="Rectangle 98">
+            <a:extLst>
+              <a:ext uri="{FF2B5EF4-FFF2-40B4-BE49-F238E27FC236}">
+                <a16:creationId xmlns:a16="http://schemas.microsoft.com/office/drawing/2014/main" id="{A9FB1275-57EF-3448-BA5F-9A3A5F7F45C7}"/>
+              </a:ext>
+            </a:extLst>
+          </p:cNvPr>
+          <p:cNvSpPr/>
           <p:nvPr/>
-        </p:nvCxnSpPr>
-        <p:spPr>
-          <a:xfrm>
-            <a:off x="6359419" y="5752322"/>
-            <a:ext cx="2829172" cy="0"/>
-          </a:xfrm>
-          <a:prstGeom prst="straightConnector1">
-            <a:avLst/>
-          </a:prstGeom>
-          <a:ln w="19050">
-            <a:solidFill>
-              <a:srgbClr val="953735"/>
-            </a:solidFill>
-            <a:prstDash val="sysDash"/>
-            <a:headEnd type="arrow" w="med" len="med"/>
-            <a:tailEnd type="none" w="med" len="med"/>
-          </a:ln>
+        </p:nvSpPr>
+        <p:spPr>
+          <a:xfrm>
+            <a:off x="5726148" y="4748820"/>
+            <a:ext cx="1221019" cy="652186"/>
+          </a:xfrm>
+          <a:prstGeom prst="rect">
+            <a:avLst/>
+          </a:prstGeom>
+          <a:solidFill>
+            <a:schemeClr val="bg1">
+              <a:lumMod val="65000"/>
+            </a:schemeClr>
+          </a:solidFill>
         </p:spPr>
         <p:style>
-          <a:lnRef idx="1">
-            <a:schemeClr val="accent1"/>
+          <a:lnRef idx="2">
+            <a:schemeClr val="accent1">
+              <a:shade val="50000"/>
+            </a:schemeClr>
           </a:lnRef>
-          <a:fillRef idx="0">
+          <a:fillRef idx="1">
             <a:schemeClr val="accent1"/>
           </a:fillRef>
           <a:effectRef idx="0">
             <a:schemeClr val="accent1"/>
           </a:effectRef>
           <a:fontRef idx="minor">
-            <a:schemeClr val="tx1"/>
+            <a:schemeClr val="lt1"/>
           </a:fontRef>
         </p:style>
-      </p:cxnSp>
-      <p:sp>
-        <p:nvSpPr>
-          <p:cNvPr id="201" name="Rectangle 200">
-            <a:extLst>
-              <a:ext uri="{FF2B5EF4-FFF2-40B4-BE49-F238E27FC236}">
-                <a16:creationId xmlns:a16="http://schemas.microsoft.com/office/drawing/2014/main" id="{24E8F48F-1B5D-7D4F-B4D0-0C57C01D3159}"/>
+        <p:txBody>
+          <a:bodyPr rtlCol="0" anchor="ctr"/>
+          <a:lstStyle/>
+          <a:p>
+            <a:pPr algn="ctr"/>
+            <a:endParaRPr lang="en-SG"/>
+          </a:p>
+        </p:txBody>
+      </p:sp>
+      <p:sp>
+        <p:nvSpPr>
+          <p:cNvPr id="100" name="Snip and Round Single Corner Rectangle 99">
+            <a:extLst>
+              <a:ext uri="{FF2B5EF4-FFF2-40B4-BE49-F238E27FC236}">
+                <a16:creationId xmlns:a16="http://schemas.microsoft.com/office/drawing/2014/main" id="{642A096D-2A48-F447-B356-9ACCCB07B0D1}"/>
               </a:ext>
             </a:extLst>
           </p:cNvPr>
@@ -5828,35 +6605,34 @@
           <p:nvPr/>
         </p:nvSpPr>
         <p:spPr>
-          <a:xfrm>
-            <a:off x="9161888" y="5498841"/>
-            <a:ext cx="209110" cy="253481"/>
-          </a:xfrm>
-          <a:prstGeom prst="rect">
-            <a:avLst/>
-          </a:prstGeom>
-          <a:solidFill>
-            <a:srgbClr val="953735"/>
-          </a:solidFill>
-          <a:ln>
+          <a:xfrm flipV="1">
+            <a:off x="5738117" y="4742718"/>
+            <a:ext cx="374807" cy="243705"/>
+          </a:xfrm>
+          <a:prstGeom prst="snipRoundRect">
+            <a:avLst/>
+          </a:prstGeom>
+          <a:noFill/>
+          <a:ln w="25400">
             <a:solidFill>
-              <a:srgbClr val="953735"/>
+              <a:schemeClr val="tx1"/>
             </a:solidFill>
           </a:ln>
-          <a:effectLst/>
         </p:spPr>
         <p:style>
-          <a:lnRef idx="1">
-            <a:schemeClr val="accent3"/>
+          <a:lnRef idx="2">
+            <a:schemeClr val="accent1">
+              <a:shade val="50000"/>
+            </a:schemeClr>
           </a:lnRef>
-          <a:fillRef idx="2">
-            <a:schemeClr val="accent3"/>
+          <a:fillRef idx="1">
+            <a:schemeClr val="accent1"/>
           </a:fillRef>
-          <a:effectRef idx="1">
-            <a:schemeClr val="accent3"/>
+          <a:effectRef idx="0">
+            <a:schemeClr val="accent1"/>
           </a:effectRef>
           <a:fontRef idx="minor">
-            <a:schemeClr val="dk1"/>
+            <a:schemeClr val="lt1"/>
           </a:fontRef>
         </p:style>
         <p:txBody>
@@ -5864,60 +6640,16 @@
           <a:lstStyle/>
           <a:p>
             <a:pPr algn="ctr"/>
-            <a:endParaRPr lang="en-SG" sz="1400"/>
-          </a:p>
-        </p:txBody>
-      </p:sp>
-      <p:cxnSp>
-        <p:nvCxnSpPr>
-          <p:cNvPr id="202" name="Straight Arrow Connector 201">
-            <a:extLst>
-              <a:ext uri="{FF2B5EF4-FFF2-40B4-BE49-F238E27FC236}">
-                <a16:creationId xmlns:a16="http://schemas.microsoft.com/office/drawing/2014/main" id="{A57388C2-DC94-5144-8261-4C60F3126044}"/>
-              </a:ext>
-            </a:extLst>
-          </p:cNvPr>
-          <p:cNvCxnSpPr>
-            <a:cxnSpLocks/>
-          </p:cNvCxnSpPr>
-          <p:nvPr/>
-        </p:nvCxnSpPr>
-        <p:spPr>
-          <a:xfrm>
-            <a:off x="6377982" y="6134135"/>
-            <a:ext cx="2775199" cy="7167"/>
-          </a:xfrm>
-          <a:prstGeom prst="straightConnector1">
-            <a:avLst/>
-          </a:prstGeom>
-          <a:ln w="19050">
-            <a:solidFill>
-              <a:srgbClr val="0070C0"/>
-            </a:solidFill>
-            <a:tailEnd type="arrow"/>
-          </a:ln>
-        </p:spPr>
-        <p:style>
-          <a:lnRef idx="1">
-            <a:schemeClr val="accent1"/>
-          </a:lnRef>
-          <a:fillRef idx="0">
-            <a:schemeClr val="accent1"/>
-          </a:fillRef>
-          <a:effectRef idx="0">
-            <a:schemeClr val="accent1"/>
-          </a:effectRef>
-          <a:fontRef idx="minor">
-            <a:schemeClr val="tx1"/>
-          </a:fontRef>
-        </p:style>
-      </p:cxnSp>
-      <p:sp>
-        <p:nvSpPr>
-          <p:cNvPr id="203" name="TextBox 202">
-            <a:extLst>
-              <a:ext uri="{FF2B5EF4-FFF2-40B4-BE49-F238E27FC236}">
-                <a16:creationId xmlns:a16="http://schemas.microsoft.com/office/drawing/2014/main" id="{307F8A79-0549-C746-8434-FD828F5D32CA}"/>
+            <a:endParaRPr lang="en-US"/>
+          </a:p>
+        </p:txBody>
+      </p:sp>
+      <p:sp>
+        <p:nvSpPr>
+          <p:cNvPr id="101" name="TextBox 100">
+            <a:extLst>
+              <a:ext uri="{FF2B5EF4-FFF2-40B4-BE49-F238E27FC236}">
+                <a16:creationId xmlns:a16="http://schemas.microsoft.com/office/drawing/2014/main" id="{6F2C542F-1108-F24E-9F8A-3F8DF510E570}"/>
               </a:ext>
             </a:extLst>
           </p:cNvPr>
@@ -5926,8 +6658,43 @@
         </p:nvSpPr>
         <p:spPr>
           <a:xfrm>
-            <a:off x="7794071" y="5783218"/>
-            <a:ext cx="1576927" cy="307777"/>
+            <a:off x="5758863" y="4721601"/>
+            <a:ext cx="1738200" cy="276999"/>
+          </a:xfrm>
+          <a:prstGeom prst="rect">
+            <a:avLst/>
+          </a:prstGeom>
+          <a:noFill/>
+        </p:spPr>
+        <p:txBody>
+          <a:bodyPr wrap="square" rtlCol="0">
+            <a:spAutoFit/>
+          </a:bodyPr>
+          <a:lstStyle/>
+          <a:p>
+            <a:r>
+              <a:rPr lang="en-US" sz="1200" dirty="0"/>
+              <a:t>ref</a:t>
+            </a:r>
+          </a:p>
+        </p:txBody>
+      </p:sp>
+      <p:sp>
+        <p:nvSpPr>
+          <p:cNvPr id="102" name="TextBox 101">
+            <a:extLst>
+              <a:ext uri="{FF2B5EF4-FFF2-40B4-BE49-F238E27FC236}">
+                <a16:creationId xmlns:a16="http://schemas.microsoft.com/office/drawing/2014/main" id="{64E487CC-4EAE-114F-8028-22B057B7D71D}"/>
+              </a:ext>
+            </a:extLst>
+          </p:cNvPr>
+          <p:cNvSpPr txBox="1"/>
+          <p:nvPr/>
+        </p:nvSpPr>
+        <p:spPr>
+          <a:xfrm>
+            <a:off x="5674554" y="4995938"/>
+            <a:ext cx="1365403" cy="369332"/>
           </a:xfrm>
           <a:prstGeom prst="rect">
             <a:avLst/>
@@ -5953,22 +6720,22 @@
           <a:p>
             <a:pPr algn="ctr"/>
             <a:r>
-              <a:rPr lang="en-US" sz="1000" dirty="0" err="1"/>
-              <a:t>addTransformation</a:t>
-            </a:r>
-            <a:r>
-              <a:rPr lang="en-US" sz="1000" dirty="0"/>
-              <a:t>(String, List&lt;Command&gt;)</a:t>
-            </a:r>
-          </a:p>
-        </p:txBody>
-      </p:sp>
-      <p:sp>
-        <p:nvSpPr>
-          <p:cNvPr id="204" name="Rectangle 203">
-            <a:extLst>
-              <a:ext uri="{FF2B5EF4-FFF2-40B4-BE49-F238E27FC236}">
-                <a16:creationId xmlns:a16="http://schemas.microsoft.com/office/drawing/2014/main" id="{6DD7C291-28C1-474A-AF00-31A5FAD94A18}"/>
+              <a:rPr lang="en-US" sz="1200" dirty="0">
+                <a:solidFill>
+                  <a:schemeClr val="tx1"/>
+                </a:solidFill>
+              </a:rPr>
+              <a:t>Execute individual commands</a:t>
+            </a:r>
+          </a:p>
+        </p:txBody>
+      </p:sp>
+      <p:sp>
+        <p:nvSpPr>
+          <p:cNvPr id="103" name="Rectangle 102">
+            <a:extLst>
+              <a:ext uri="{FF2B5EF4-FFF2-40B4-BE49-F238E27FC236}">
+                <a16:creationId xmlns:a16="http://schemas.microsoft.com/office/drawing/2014/main" id="{51B3AF08-1FFB-FF41-8450-979F14F0C49C}"/>
               </a:ext>
             </a:extLst>
           </p:cNvPr>
@@ -5977,18 +6744,18 @@
         </p:nvSpPr>
         <p:spPr>
           <a:xfrm>
-            <a:off x="9174624" y="6100786"/>
+            <a:off x="7744003" y="5658606"/>
             <a:ext cx="209110" cy="253481"/>
           </a:xfrm>
           <a:prstGeom prst="rect">
             <a:avLst/>
           </a:prstGeom>
           <a:solidFill>
-            <a:srgbClr val="953735"/>
+            <a:srgbClr val="7030A0"/>
           </a:solidFill>
           <a:ln>
             <a:solidFill>
-              <a:srgbClr val="953735"/>
+              <a:srgbClr val="7030A0"/>
             </a:solidFill>
           </a:ln>
           <a:effectLst/>
@@ -6018,10 +6785,10 @@
       </p:sp>
       <p:cxnSp>
         <p:nvCxnSpPr>
-          <p:cNvPr id="205" name="Straight Arrow Connector 204">
-            <a:extLst>
-              <a:ext uri="{FF2B5EF4-FFF2-40B4-BE49-F238E27FC236}">
-                <a16:creationId xmlns:a16="http://schemas.microsoft.com/office/drawing/2014/main" id="{2352E59C-802F-8949-871B-A688D0C8C31E}"/>
+          <p:cNvPr id="104" name="Straight Arrow Connector 103">
+            <a:extLst>
+              <a:ext uri="{FF2B5EF4-FFF2-40B4-BE49-F238E27FC236}">
+                <a16:creationId xmlns:a16="http://schemas.microsoft.com/office/drawing/2014/main" id="{ECCB481B-F7D4-FD44-9B43-B9BE98B416AA}"/>
               </a:ext>
             </a:extLst>
           </p:cNvPr>
@@ -6031,20 +6798,18 @@
           <p:nvPr/>
         </p:nvCxnSpPr>
         <p:spPr>
-          <a:xfrm flipV="1">
-            <a:off x="6395031" y="6338330"/>
-            <a:ext cx="2806132" cy="1"/>
+          <a:xfrm>
+            <a:off x="6404493" y="5658606"/>
+            <a:ext cx="1331274" cy="0"/>
           </a:xfrm>
           <a:prstGeom prst="straightConnector1">
             <a:avLst/>
           </a:prstGeom>
           <a:ln w="19050">
             <a:solidFill>
-              <a:srgbClr val="953735"/>
+              <a:srgbClr val="0070C0"/>
             </a:solidFill>
-            <a:prstDash val="sysDash"/>
-            <a:headEnd type="arrow" w="med" len="med"/>
-            <a:tailEnd type="none" w="med" len="med"/>
+            <a:tailEnd type="arrow"/>
           </a:ln>
         </p:spPr>
         <p:style>
@@ -6064,10 +6829,10 @@
       </p:cxnSp>
       <p:sp>
         <p:nvSpPr>
-          <p:cNvPr id="206" name="Rectangle 65">
-            <a:extLst>
-              <a:ext uri="{FF2B5EF4-FFF2-40B4-BE49-F238E27FC236}">
-                <a16:creationId xmlns:a16="http://schemas.microsoft.com/office/drawing/2014/main" id="{BAE84B9C-E7B0-C04C-ACE7-D120733C9E73}"/>
+          <p:cNvPr id="105" name="Rectangle 104">
+            <a:extLst>
+              <a:ext uri="{FF2B5EF4-FFF2-40B4-BE49-F238E27FC236}">
+                <a16:creationId xmlns:a16="http://schemas.microsoft.com/office/drawing/2014/main" id="{C21B3274-D3CD-E44E-AE75-8363209F9C4C}"/>
               </a:ext>
             </a:extLst>
           </p:cNvPr>
@@ -6076,18 +6841,362 @@
         </p:nvSpPr>
         <p:spPr>
           <a:xfrm>
-            <a:off x="10543129" y="245650"/>
-            <a:ext cx="3964242" cy="7335273"/>
-          </a:xfrm>
-          <a:prstGeom prst="roundRect">
-            <a:avLst>
-              <a:gd name="adj" fmla="val 3484"/>
-            </a:avLst>
+            <a:off x="6522417" y="5424110"/>
+            <a:ext cx="994183" cy="246221"/>
+          </a:xfrm>
+          <a:prstGeom prst="rect">
+            <a:avLst/>
+          </a:prstGeom>
+        </p:spPr>
+        <p:txBody>
+          <a:bodyPr wrap="none">
+            <a:spAutoFit/>
+          </a:bodyPr>
+          <a:lstStyle/>
+          <a:p>
+            <a:r>
+              <a:rPr lang="en-SG" sz="1000" dirty="0" err="1">
+                <a:solidFill>
+                  <a:schemeClr val="accent1">
+                    <a:lumMod val="75000"/>
+                  </a:schemeClr>
+                </a:solidFill>
+              </a:rPr>
+              <a:t>addCommand</a:t>
+            </a:r>
+            <a:r>
+              <a:rPr lang="en-SG" sz="1000" dirty="0">
+                <a:solidFill>
+                  <a:schemeClr val="accent1">
+                    <a:lumMod val="75000"/>
+                  </a:schemeClr>
+                </a:solidFill>
+              </a:rPr>
+              <a:t>()</a:t>
+            </a:r>
+            <a:endParaRPr lang="en-US" sz="1000" dirty="0">
+              <a:solidFill>
+                <a:schemeClr val="accent1">
+                  <a:lumMod val="75000"/>
+                </a:schemeClr>
+              </a:solidFill>
+            </a:endParaRPr>
+          </a:p>
+        </p:txBody>
+      </p:sp>
+      <p:cxnSp>
+        <p:nvCxnSpPr>
+          <p:cNvPr id="107" name="Straight Arrow Connector 106">
+            <a:extLst>
+              <a:ext uri="{FF2B5EF4-FFF2-40B4-BE49-F238E27FC236}">
+                <a16:creationId xmlns:a16="http://schemas.microsoft.com/office/drawing/2014/main" id="{508A5680-461B-EC4E-9D78-7035283C0370}"/>
+              </a:ext>
+            </a:extLst>
+          </p:cNvPr>
+          <p:cNvCxnSpPr>
+            <a:cxnSpLocks/>
+          </p:cNvCxnSpPr>
+          <p:nvPr/>
+        </p:nvCxnSpPr>
+        <p:spPr>
+          <a:xfrm flipV="1">
+            <a:off x="6400044" y="5878101"/>
+            <a:ext cx="1336218" cy="11673"/>
+          </a:xfrm>
+          <a:prstGeom prst="straightConnector1">
+            <a:avLst/>
+          </a:prstGeom>
+          <a:ln w="19050">
+            <a:solidFill>
+              <a:srgbClr val="7030A0"/>
+            </a:solidFill>
+            <a:prstDash val="sysDash"/>
+            <a:headEnd type="arrow" w="med" len="med"/>
+            <a:tailEnd type="none" w="med" len="med"/>
+          </a:ln>
+        </p:spPr>
+        <p:style>
+          <a:lnRef idx="1">
+            <a:schemeClr val="accent1"/>
+          </a:lnRef>
+          <a:fillRef idx="0">
+            <a:schemeClr val="accent1"/>
+          </a:fillRef>
+          <a:effectRef idx="0">
+            <a:schemeClr val="accent1"/>
+          </a:effectRef>
+          <a:fontRef idx="minor">
+            <a:schemeClr val="tx1"/>
+          </a:fontRef>
+        </p:style>
+      </p:cxnSp>
+      <p:cxnSp>
+        <p:nvCxnSpPr>
+          <p:cNvPr id="108" name="Straight Arrow Connector 107">
+            <a:extLst>
+              <a:ext uri="{FF2B5EF4-FFF2-40B4-BE49-F238E27FC236}">
+                <a16:creationId xmlns:a16="http://schemas.microsoft.com/office/drawing/2014/main" id="{AF14052E-FCDC-F248-8E04-7441C04DC530}"/>
+              </a:ext>
+            </a:extLst>
+          </p:cNvPr>
+          <p:cNvCxnSpPr>
+            <a:cxnSpLocks/>
+          </p:cNvCxnSpPr>
+          <p:nvPr/>
+        </p:nvCxnSpPr>
+        <p:spPr>
+          <a:xfrm>
+            <a:off x="6402516" y="6153235"/>
+            <a:ext cx="1331274" cy="0"/>
+          </a:xfrm>
+          <a:prstGeom prst="straightConnector1">
+            <a:avLst/>
+          </a:prstGeom>
+          <a:ln w="19050">
+            <a:solidFill>
+              <a:srgbClr val="0070C0"/>
+            </a:solidFill>
+            <a:tailEnd type="arrow"/>
+          </a:ln>
+        </p:spPr>
+        <p:style>
+          <a:lnRef idx="1">
+            <a:schemeClr val="accent1"/>
+          </a:lnRef>
+          <a:fillRef idx="0">
+            <a:schemeClr val="accent1"/>
+          </a:fillRef>
+          <a:effectRef idx="0">
+            <a:schemeClr val="accent1"/>
+          </a:effectRef>
+          <a:fontRef idx="minor">
+            <a:schemeClr val="tx1"/>
+          </a:fontRef>
+        </p:style>
+      </p:cxnSp>
+      <p:sp>
+        <p:nvSpPr>
+          <p:cNvPr id="109" name="Rectangle 108">
+            <a:extLst>
+              <a:ext uri="{FF2B5EF4-FFF2-40B4-BE49-F238E27FC236}">
+                <a16:creationId xmlns:a16="http://schemas.microsoft.com/office/drawing/2014/main" id="{54B44FA5-88D0-FD48-9CC9-07AAE5B32700}"/>
+              </a:ext>
+            </a:extLst>
+          </p:cNvPr>
+          <p:cNvSpPr/>
+          <p:nvPr/>
+        </p:nvSpPr>
+        <p:spPr>
+          <a:xfrm>
+            <a:off x="7726776" y="6138098"/>
+            <a:ext cx="209110" cy="253481"/>
+          </a:xfrm>
+          <a:prstGeom prst="rect">
+            <a:avLst/>
           </a:prstGeom>
           <a:solidFill>
-            <a:schemeClr val="accent1">
-              <a:lumMod val="20000"/>
-              <a:lumOff val="80000"/>
+            <a:srgbClr val="7030A0"/>
+          </a:solidFill>
+          <a:ln>
+            <a:solidFill>
+              <a:srgbClr val="7030A0"/>
+            </a:solidFill>
+          </a:ln>
+          <a:effectLst/>
+        </p:spPr>
+        <p:style>
+          <a:lnRef idx="1">
+            <a:schemeClr val="accent3"/>
+          </a:lnRef>
+          <a:fillRef idx="2">
+            <a:schemeClr val="accent3"/>
+          </a:fillRef>
+          <a:effectRef idx="1">
+            <a:schemeClr val="accent3"/>
+          </a:effectRef>
+          <a:fontRef idx="minor">
+            <a:schemeClr val="dk1"/>
+          </a:fontRef>
+        </p:style>
+        <p:txBody>
+          <a:bodyPr rtlCol="0" anchor="ctr"/>
+          <a:lstStyle/>
+          <a:p>
+            <a:pPr algn="ctr"/>
+            <a:endParaRPr lang="en-SG" sz="1400"/>
+          </a:p>
+        </p:txBody>
+      </p:sp>
+      <p:sp>
+        <p:nvSpPr>
+          <p:cNvPr id="110" name="Rectangle 109">
+            <a:extLst>
+              <a:ext uri="{FF2B5EF4-FFF2-40B4-BE49-F238E27FC236}">
+                <a16:creationId xmlns:a16="http://schemas.microsoft.com/office/drawing/2014/main" id="{42027D81-9E6D-1142-AE40-A4B7B96896DA}"/>
+              </a:ext>
+            </a:extLst>
+          </p:cNvPr>
+          <p:cNvSpPr/>
+          <p:nvPr/>
+        </p:nvSpPr>
+        <p:spPr>
+          <a:xfrm>
+            <a:off x="6503871" y="5903076"/>
+            <a:ext cx="1239442" cy="246221"/>
+          </a:xfrm>
+          <a:prstGeom prst="rect">
+            <a:avLst/>
+          </a:prstGeom>
+        </p:spPr>
+        <p:txBody>
+          <a:bodyPr wrap="none">
+            <a:spAutoFit/>
+          </a:bodyPr>
+          <a:lstStyle/>
+          <a:p>
+            <a:r>
+              <a:rPr lang="en-SG" sz="1000" dirty="0" err="1">
+                <a:solidFill>
+                  <a:schemeClr val="accent1">
+                    <a:lumMod val="75000"/>
+                  </a:schemeClr>
+                </a:solidFill>
+              </a:rPr>
+              <a:t>displayTempImage</a:t>
+            </a:r>
+            <a:r>
+              <a:rPr lang="en-SG" sz="1000" dirty="0">
+                <a:solidFill>
+                  <a:schemeClr val="accent1">
+                    <a:lumMod val="75000"/>
+                  </a:schemeClr>
+                </a:solidFill>
+              </a:rPr>
+              <a:t>()</a:t>
+            </a:r>
+            <a:endParaRPr lang="en-US" sz="1000" dirty="0">
+              <a:solidFill>
+                <a:schemeClr val="accent1">
+                  <a:lumMod val="75000"/>
+                </a:schemeClr>
+              </a:solidFill>
+            </a:endParaRPr>
+          </a:p>
+        </p:txBody>
+      </p:sp>
+      <p:cxnSp>
+        <p:nvCxnSpPr>
+          <p:cNvPr id="111" name="Straight Arrow Connector 110">
+            <a:extLst>
+              <a:ext uri="{FF2B5EF4-FFF2-40B4-BE49-F238E27FC236}">
+                <a16:creationId xmlns:a16="http://schemas.microsoft.com/office/drawing/2014/main" id="{D73A8D73-DFD0-9548-86AE-DB3DBEBD1110}"/>
+              </a:ext>
+            </a:extLst>
+          </p:cNvPr>
+          <p:cNvCxnSpPr>
+            <a:cxnSpLocks/>
+          </p:cNvCxnSpPr>
+          <p:nvPr/>
+        </p:nvCxnSpPr>
+        <p:spPr>
+          <a:xfrm flipV="1">
+            <a:off x="6382396" y="6369513"/>
+            <a:ext cx="1336218" cy="11673"/>
+          </a:xfrm>
+          <a:prstGeom prst="straightConnector1">
+            <a:avLst/>
+          </a:prstGeom>
+          <a:ln w="19050">
+            <a:solidFill>
+              <a:srgbClr val="7030A0"/>
+            </a:solidFill>
+            <a:prstDash val="sysDash"/>
+            <a:headEnd type="arrow" w="med" len="med"/>
+            <a:tailEnd type="none" w="med" len="med"/>
+          </a:ln>
+        </p:spPr>
+        <p:style>
+          <a:lnRef idx="1">
+            <a:schemeClr val="accent1"/>
+          </a:lnRef>
+          <a:fillRef idx="0">
+            <a:schemeClr val="accent1"/>
+          </a:fillRef>
+          <a:effectRef idx="0">
+            <a:schemeClr val="accent1"/>
+          </a:effectRef>
+          <a:fontRef idx="minor">
+            <a:schemeClr val="tx1"/>
+          </a:fontRef>
+        </p:style>
+      </p:cxnSp>
+      <p:cxnSp>
+        <p:nvCxnSpPr>
+          <p:cNvPr id="112" name="Straight Arrow Connector 111">
+            <a:extLst>
+              <a:ext uri="{FF2B5EF4-FFF2-40B4-BE49-F238E27FC236}">
+                <a16:creationId xmlns:a16="http://schemas.microsoft.com/office/drawing/2014/main" id="{A2847A87-C8D9-E04E-A9D4-70BBD33B08F0}"/>
+              </a:ext>
+            </a:extLst>
+          </p:cNvPr>
+          <p:cNvCxnSpPr>
+            <a:cxnSpLocks/>
+          </p:cNvCxnSpPr>
+          <p:nvPr/>
+        </p:nvCxnSpPr>
+        <p:spPr>
+          <a:xfrm>
+            <a:off x="7953113" y="6149297"/>
+            <a:ext cx="3680811" cy="0"/>
+          </a:xfrm>
+          <a:prstGeom prst="straightConnector1">
+            <a:avLst/>
+          </a:prstGeom>
+          <a:ln w="19050">
+            <a:solidFill>
+              <a:srgbClr val="7030A0"/>
+            </a:solidFill>
+            <a:tailEnd type="arrow"/>
+          </a:ln>
+        </p:spPr>
+        <p:style>
+          <a:lnRef idx="1">
+            <a:schemeClr val="accent1"/>
+          </a:lnRef>
+          <a:fillRef idx="0">
+            <a:schemeClr val="accent1"/>
+          </a:fillRef>
+          <a:effectRef idx="0">
+            <a:schemeClr val="accent1"/>
+          </a:effectRef>
+          <a:fontRef idx="minor">
+            <a:schemeClr val="tx1"/>
+          </a:fontRef>
+        </p:style>
+      </p:cxnSp>
+      <p:sp>
+        <p:nvSpPr>
+          <p:cNvPr id="113" name="Rectangle 62">
+            <a:extLst>
+              <a:ext uri="{FF2B5EF4-FFF2-40B4-BE49-F238E27FC236}">
+                <a16:creationId xmlns:a16="http://schemas.microsoft.com/office/drawing/2014/main" id="{1ECA722E-CD87-A74C-A68D-7AF881BB1F76}"/>
+              </a:ext>
+            </a:extLst>
+          </p:cNvPr>
+          <p:cNvSpPr/>
+          <p:nvPr/>
+        </p:nvSpPr>
+        <p:spPr>
+          <a:xfrm>
+            <a:off x="11122030" y="4481463"/>
+            <a:ext cx="1294659" cy="244173"/>
+          </a:xfrm>
+          <a:prstGeom prst="rect">
+            <a:avLst/>
+          </a:prstGeom>
+          <a:solidFill>
+            <a:schemeClr val="accent6">
+              <a:lumMod val="75000"/>
             </a:schemeClr>
           </a:solidFill>
           <a:ln w="19050">
@@ -6110,130 +7219,79 @@
           </a:fontRef>
         </p:style>
         <p:txBody>
-          <a:bodyPr rtlCol="0" anchor="t"/>
-          <a:lstStyle/>
-          <a:p>
-            <a:r>
-              <a:rPr lang="en-US" sz="1200" b="1" dirty="0">
+          <a:bodyPr rtlCol="0" anchor="ctr"/>
+          <a:lstStyle/>
+          <a:p>
+            <a:pPr algn="ctr"/>
+            <a:r>
+              <a:rPr lang="en-US" sz="1600" dirty="0">
                 <a:solidFill>
-                  <a:schemeClr val="tx1"/>
+                  <a:schemeClr val="bg1"/>
                 </a:solidFill>
               </a:rPr>
-              <a:t>Logic</a:t>
-            </a:r>
-            <a:endParaRPr lang="en-SG" sz="1200" b="1" dirty="0">
+              <a:t>: Notifier</a:t>
+            </a:r>
+            <a:endParaRPr lang="en-SG" sz="1600" dirty="0">
               <a:solidFill>
-                <a:schemeClr val="tx1"/>
+                <a:schemeClr val="bg1"/>
               </a:solidFill>
             </a:endParaRPr>
           </a:p>
         </p:txBody>
       </p:sp>
-      <p:sp>
-        <p:nvSpPr>
-          <p:cNvPr id="207" name="Rectangle 206">
-            <a:extLst>
-              <a:ext uri="{FF2B5EF4-FFF2-40B4-BE49-F238E27FC236}">
-                <a16:creationId xmlns:a16="http://schemas.microsoft.com/office/drawing/2014/main" id="{A81FBB99-8035-234A-AE33-88667AB99E81}"/>
-              </a:ext>
-            </a:extLst>
-          </p:cNvPr>
-          <p:cNvSpPr/>
+      <p:cxnSp>
+        <p:nvCxnSpPr>
+          <p:cNvPr id="114" name="Straight Connector 113">
+            <a:extLst>
+              <a:ext uri="{FF2B5EF4-FFF2-40B4-BE49-F238E27FC236}">
+                <a16:creationId xmlns:a16="http://schemas.microsoft.com/office/drawing/2014/main" id="{CB94CBC8-4A85-E840-9C80-FFC1AA5E572C}"/>
+              </a:ext>
+            </a:extLst>
+          </p:cNvPr>
+          <p:cNvCxnSpPr>
+            <a:cxnSpLocks/>
+          </p:cNvCxnSpPr>
           <p:nvPr/>
-        </p:nvSpPr>
-        <p:spPr>
-          <a:xfrm>
-            <a:off x="4840080" y="3062610"/>
-            <a:ext cx="9452695" cy="1822240"/>
-          </a:xfrm>
-          <a:prstGeom prst="rect">
-            <a:avLst/>
-          </a:prstGeom>
-          <a:noFill/>
+        </p:nvCxnSpPr>
+        <p:spPr>
+          <a:xfrm>
+            <a:off x="11769360" y="4725636"/>
+            <a:ext cx="0" cy="1985603"/>
+          </a:xfrm>
+          <a:prstGeom prst="line">
+            <a:avLst/>
+          </a:prstGeom>
+          <a:ln w="19050">
+            <a:solidFill>
+              <a:schemeClr val="accent6">
+                <a:lumMod val="75000"/>
+              </a:schemeClr>
+            </a:solidFill>
+            <a:prstDash val="sysDash"/>
+          </a:ln>
+          <a:effectLst/>
         </p:spPr>
         <p:style>
-          <a:lnRef idx="2">
-            <a:schemeClr val="accent1">
-              <a:shade val="50000"/>
-            </a:schemeClr>
+          <a:lnRef idx="1">
+            <a:schemeClr val="accent1"/>
           </a:lnRef>
-          <a:fillRef idx="1">
+          <a:fillRef idx="2">
             <a:schemeClr val="accent1"/>
           </a:fillRef>
-          <a:effectRef idx="0">
+          <a:effectRef idx="1">
             <a:schemeClr val="accent1"/>
           </a:effectRef>
           <a:fontRef idx="minor">
-            <a:schemeClr val="lt1"/>
+            <a:schemeClr val="dk1"/>
           </a:fontRef>
         </p:style>
-        <p:txBody>
-          <a:bodyPr rtlCol="0" anchor="ctr"/>
-          <a:lstStyle/>
-          <a:p>
-            <a:pPr algn="ctr"/>
-            <a:endParaRPr lang="en-SG"/>
-          </a:p>
-        </p:txBody>
-      </p:sp>
-      <p:sp>
-        <p:nvSpPr>
-          <p:cNvPr id="52" name="Snip and Round Single Corner Rectangle 51">
-            <a:extLst>
-              <a:ext uri="{FF2B5EF4-FFF2-40B4-BE49-F238E27FC236}">
-                <a16:creationId xmlns:a16="http://schemas.microsoft.com/office/drawing/2014/main" id="{458997A9-BA97-8E45-9C7E-8645310FFC81}"/>
-              </a:ext>
-            </a:extLst>
-          </p:cNvPr>
-          <p:cNvSpPr/>
-          <p:nvPr/>
-        </p:nvSpPr>
-        <p:spPr>
-          <a:xfrm flipV="1">
-            <a:off x="4845231" y="3061841"/>
-            <a:ext cx="664818" cy="416592"/>
-          </a:xfrm>
-          <a:prstGeom prst="snipRoundRect">
-            <a:avLst/>
-          </a:prstGeom>
-          <a:noFill/>
-          <a:ln w="25400">
-            <a:solidFill>
-              <a:schemeClr val="tx1"/>
-            </a:solidFill>
-          </a:ln>
-        </p:spPr>
-        <p:style>
-          <a:lnRef idx="2">
-            <a:schemeClr val="accent1">
-              <a:shade val="50000"/>
-            </a:schemeClr>
-          </a:lnRef>
-          <a:fillRef idx="1">
-            <a:schemeClr val="accent1"/>
-          </a:fillRef>
-          <a:effectRef idx="0">
-            <a:schemeClr val="accent1"/>
-          </a:effectRef>
-          <a:fontRef idx="minor">
-            <a:schemeClr val="lt1"/>
-          </a:fontRef>
-        </p:style>
-        <p:txBody>
-          <a:bodyPr rtlCol="0" anchor="ctr"/>
-          <a:lstStyle/>
-          <a:p>
-            <a:pPr algn="ctr"/>
-            <a:endParaRPr lang="en-US"/>
-          </a:p>
-        </p:txBody>
-      </p:sp>
-      <p:sp>
-        <p:nvSpPr>
-          <p:cNvPr id="53" name="TextBox 52">
-            <a:extLst>
-              <a:ext uri="{FF2B5EF4-FFF2-40B4-BE49-F238E27FC236}">
-                <a16:creationId xmlns:a16="http://schemas.microsoft.com/office/drawing/2014/main" id="{E16BB744-D512-D649-8D33-9E53DE82F844}"/>
+      </p:cxnSp>
+      <p:sp>
+        <p:nvSpPr>
+          <p:cNvPr id="115" name="TextBox 114">
+            <a:extLst>
+              <a:ext uri="{FF2B5EF4-FFF2-40B4-BE49-F238E27FC236}">
+                <a16:creationId xmlns:a16="http://schemas.microsoft.com/office/drawing/2014/main" id="{B0916B39-8384-4542-A011-2F587D2360FA}"/>
               </a:ext>
             </a:extLst>
           </p:cNvPr>
@@ -6242,48 +7300,16 @@
         </p:nvSpPr>
         <p:spPr>
           <a:xfrm>
-            <a:off x="4935325" y="3110129"/>
-            <a:ext cx="1738200" cy="276999"/>
+            <a:off x="9485068" y="5333992"/>
+            <a:ext cx="1243907" cy="738664"/>
           </a:xfrm>
           <a:prstGeom prst="rect">
             <a:avLst/>
           </a:prstGeom>
           <a:noFill/>
-        </p:spPr>
-        <p:txBody>
-          <a:bodyPr wrap="square" rtlCol="0">
-            <a:spAutoFit/>
-          </a:bodyPr>
-          <a:lstStyle/>
-          <a:p>
-            <a:r>
-              <a:rPr lang="en-US" sz="1200" dirty="0"/>
-              <a:t>loop</a:t>
-            </a:r>
-          </a:p>
-        </p:txBody>
-      </p:sp>
-      <p:sp>
-        <p:nvSpPr>
-          <p:cNvPr id="208" name="TextBox 207">
-            <a:extLst>
-              <a:ext uri="{FF2B5EF4-FFF2-40B4-BE49-F238E27FC236}">
-                <a16:creationId xmlns:a16="http://schemas.microsoft.com/office/drawing/2014/main" id="{1E2AE9AC-596F-FA44-B629-30408B17BB12}"/>
-              </a:ext>
-            </a:extLst>
-          </p:cNvPr>
-          <p:cNvSpPr txBox="1"/>
-          <p:nvPr/>
-        </p:nvSpPr>
-        <p:spPr>
-          <a:xfrm>
-            <a:off x="4644373" y="3520460"/>
-            <a:ext cx="1365403" cy="369332"/>
-          </a:xfrm>
-          <a:prstGeom prst="rect">
-            <a:avLst/>
-          </a:prstGeom>
-          <a:noFill/>
+          <a:ln>
+            <a:noFill/>
+          </a:ln>
         </p:spPr>
         <p:txBody>
           <a:bodyPr wrap="square" lIns="0" tIns="0" rIns="0" bIns="0" rtlCol="0">
@@ -6306,36 +7332,87 @@
             <a:r>
               <a:rPr lang="en-US" sz="1200" dirty="0">
                 <a:solidFill>
-                  <a:schemeClr val="tx1"/>
+                  <a:srgbClr val="7030A0"/>
                 </a:solidFill>
               </a:rPr>
-              <a:t>[until end of </a:t>
-            </a:r>
+              <a:t>&lt;&lt;static&gt;&gt;</a:t>
+            </a:r>
+          </a:p>
+          <a:p>
+            <a:pPr algn="ctr"/>
             <a:r>
               <a:rPr lang="en-US" sz="1200" dirty="0" err="1">
                 <a:solidFill>
-                  <a:schemeClr val="tx1"/>
+                  <a:srgbClr val="7030A0"/>
                 </a:solidFill>
               </a:rPr>
-              <a:t>commandList</a:t>
+              <a:t>firePropertyChangeListener</a:t>
             </a:r>
             <a:r>
               <a:rPr lang="en-US" sz="1200" dirty="0">
                 <a:solidFill>
-                  <a:schemeClr val="tx1"/>
+                  <a:srgbClr val="7030A0"/>
                 </a:solidFill>
               </a:rPr>
-              <a:t>]</a:t>
-            </a:r>
-          </a:p>
-        </p:txBody>
-      </p:sp>
-      <p:sp>
-        <p:nvSpPr>
-          <p:cNvPr id="209" name="Rectangle 208">
-            <a:extLst>
-              <a:ext uri="{FF2B5EF4-FFF2-40B4-BE49-F238E27FC236}">
-                <a16:creationId xmlns:a16="http://schemas.microsoft.com/office/drawing/2014/main" id="{81613D38-859C-A644-B683-F5364ECB2F09}"/>
+              <a:t>(String, Object, Object)</a:t>
+            </a:r>
+          </a:p>
+        </p:txBody>
+      </p:sp>
+      <p:cxnSp>
+        <p:nvCxnSpPr>
+          <p:cNvPr id="117" name="Straight Arrow Connector 116">
+            <a:extLst>
+              <a:ext uri="{FF2B5EF4-FFF2-40B4-BE49-F238E27FC236}">
+                <a16:creationId xmlns:a16="http://schemas.microsoft.com/office/drawing/2014/main" id="{FEA54FC6-84BA-4244-87F3-31A13CB4B836}"/>
+              </a:ext>
+            </a:extLst>
+          </p:cNvPr>
+          <p:cNvCxnSpPr>
+            <a:cxnSpLocks/>
+          </p:cNvCxnSpPr>
+          <p:nvPr/>
+        </p:nvCxnSpPr>
+        <p:spPr>
+          <a:xfrm>
+            <a:off x="7919339" y="6339518"/>
+            <a:ext cx="3820419" cy="1698"/>
+          </a:xfrm>
+          <a:prstGeom prst="straightConnector1">
+            <a:avLst/>
+          </a:prstGeom>
+          <a:ln w="19050">
+            <a:solidFill>
+              <a:schemeClr val="accent6">
+                <a:lumMod val="75000"/>
+              </a:schemeClr>
+            </a:solidFill>
+            <a:prstDash val="sysDash"/>
+            <a:headEnd type="arrow" w="med" len="med"/>
+            <a:tailEnd type="none" w="med" len="med"/>
+          </a:ln>
+        </p:spPr>
+        <p:style>
+          <a:lnRef idx="1">
+            <a:schemeClr val="accent1"/>
+          </a:lnRef>
+          <a:fillRef idx="0">
+            <a:schemeClr val="accent1"/>
+          </a:fillRef>
+          <a:effectRef idx="0">
+            <a:schemeClr val="accent1"/>
+          </a:effectRef>
+          <a:fontRef idx="minor">
+            <a:schemeClr val="tx1"/>
+          </a:fontRef>
+        </p:style>
+      </p:cxnSp>
+      <p:sp>
+        <p:nvSpPr>
+          <p:cNvPr id="118" name="Rectangle 117">
+            <a:extLst>
+              <a:ext uri="{FF2B5EF4-FFF2-40B4-BE49-F238E27FC236}">
+                <a16:creationId xmlns:a16="http://schemas.microsoft.com/office/drawing/2014/main" id="{70F4995C-1B20-EF42-B801-5FEEFEA57AA7}"/>
               </a:ext>
             </a:extLst>
           </p:cNvPr>
@@ -6344,501 +7421,22 @@
         </p:nvSpPr>
         <p:spPr>
           <a:xfrm>
-            <a:off x="6532721" y="3430267"/>
-            <a:ext cx="7506835" cy="1345887"/>
+            <a:off x="11633924" y="6112762"/>
+            <a:ext cx="209110" cy="253481"/>
           </a:xfrm>
           <a:prstGeom prst="rect">
             <a:avLst/>
           </a:prstGeom>
-          <a:noFill/>
-        </p:spPr>
-        <p:style>
-          <a:lnRef idx="2">
-            <a:schemeClr val="accent1">
-              <a:shade val="50000"/>
+          <a:solidFill>
+            <a:schemeClr val="accent6">
+              <a:lumMod val="75000"/>
             </a:schemeClr>
-          </a:lnRef>
-          <a:fillRef idx="1">
-            <a:schemeClr val="accent1"/>
-          </a:fillRef>
-          <a:effectRef idx="0">
-            <a:schemeClr val="accent1"/>
-          </a:effectRef>
-          <a:fontRef idx="minor">
-            <a:schemeClr val="lt1"/>
-          </a:fontRef>
-        </p:style>
-        <p:txBody>
-          <a:bodyPr rtlCol="0" anchor="ctr"/>
-          <a:lstStyle/>
-          <a:p>
-            <a:pPr algn="ctr"/>
-            <a:endParaRPr lang="en-SG"/>
-          </a:p>
-        </p:txBody>
-      </p:sp>
-      <p:sp>
-        <p:nvSpPr>
-          <p:cNvPr id="210" name="Snip and Round Single Corner Rectangle 209">
-            <a:extLst>
-              <a:ext uri="{FF2B5EF4-FFF2-40B4-BE49-F238E27FC236}">
-                <a16:creationId xmlns:a16="http://schemas.microsoft.com/office/drawing/2014/main" id="{73ADDAEE-5427-2549-802F-F025670E443F}"/>
-              </a:ext>
-            </a:extLst>
-          </p:cNvPr>
-          <p:cNvSpPr/>
-          <p:nvPr/>
-        </p:nvSpPr>
-        <p:spPr>
-          <a:xfrm flipV="1">
-            <a:off x="6532721" y="3452249"/>
-            <a:ext cx="664818" cy="416592"/>
-          </a:xfrm>
-          <a:prstGeom prst="snipRoundRect">
-            <a:avLst/>
-          </a:prstGeom>
-          <a:noFill/>
-          <a:ln w="25400">
-            <a:solidFill>
-              <a:schemeClr val="tx1"/>
-            </a:solidFill>
-          </a:ln>
-        </p:spPr>
-        <p:style>
-          <a:lnRef idx="2">
-            <a:schemeClr val="accent1">
-              <a:shade val="50000"/>
-            </a:schemeClr>
-          </a:lnRef>
-          <a:fillRef idx="1">
-            <a:schemeClr val="accent1"/>
-          </a:fillRef>
-          <a:effectRef idx="0">
-            <a:schemeClr val="accent1"/>
-          </a:effectRef>
-          <a:fontRef idx="minor">
-            <a:schemeClr val="lt1"/>
-          </a:fontRef>
-        </p:style>
-        <p:txBody>
-          <a:bodyPr rtlCol="0" anchor="ctr"/>
-          <a:lstStyle/>
-          <a:p>
-            <a:pPr algn="ctr"/>
-            <a:endParaRPr lang="en-US"/>
-          </a:p>
-        </p:txBody>
-      </p:sp>
-      <p:sp>
-        <p:nvSpPr>
-          <p:cNvPr id="212" name="TextBox 211">
-            <a:extLst>
-              <a:ext uri="{FF2B5EF4-FFF2-40B4-BE49-F238E27FC236}">
-                <a16:creationId xmlns:a16="http://schemas.microsoft.com/office/drawing/2014/main" id="{8FFA3355-35DC-2045-BB39-566872A17066}"/>
-              </a:ext>
-            </a:extLst>
-          </p:cNvPr>
-          <p:cNvSpPr txBox="1"/>
-          <p:nvPr/>
-        </p:nvSpPr>
-        <p:spPr>
-          <a:xfrm>
-            <a:off x="6623481" y="3515871"/>
-            <a:ext cx="1738200" cy="276999"/>
-          </a:xfrm>
-          <a:prstGeom prst="rect">
-            <a:avLst/>
-          </a:prstGeom>
-          <a:noFill/>
-        </p:spPr>
-        <p:txBody>
-          <a:bodyPr wrap="square" rtlCol="0">
-            <a:spAutoFit/>
-          </a:bodyPr>
-          <a:lstStyle/>
-          <a:p>
-            <a:r>
-              <a:rPr lang="en-US" sz="1200" dirty="0"/>
-              <a:t>opt</a:t>
-            </a:r>
-          </a:p>
-        </p:txBody>
-      </p:sp>
-      <p:sp>
-        <p:nvSpPr>
-          <p:cNvPr id="213" name="TextBox 212">
-            <a:extLst>
-              <a:ext uri="{FF2B5EF4-FFF2-40B4-BE49-F238E27FC236}">
-                <a16:creationId xmlns:a16="http://schemas.microsoft.com/office/drawing/2014/main" id="{19215288-1866-8241-86DD-DDA0C72D8AED}"/>
-              </a:ext>
-            </a:extLst>
-          </p:cNvPr>
-          <p:cNvSpPr txBox="1"/>
-          <p:nvPr/>
-        </p:nvSpPr>
-        <p:spPr>
-          <a:xfrm>
-            <a:off x="7256399" y="3476066"/>
-            <a:ext cx="1365403" cy="369332"/>
-          </a:xfrm>
-          <a:prstGeom prst="rect">
-            <a:avLst/>
-          </a:prstGeom>
-          <a:noFill/>
-        </p:spPr>
-        <p:txBody>
-          <a:bodyPr wrap="square" lIns="0" tIns="0" rIns="0" bIns="0" rtlCol="0">
-            <a:spAutoFit/>
-          </a:bodyPr>
-          <a:lstStyle>
-            <a:defPPr>
-              <a:defRPr lang="en-US"/>
-            </a:defPPr>
-            <a:lvl1pPr algn="r">
-              <a:defRPr sz="1400">
-                <a:solidFill>
-                  <a:srgbClr val="0070C0"/>
-                </a:solidFill>
-              </a:defRPr>
-            </a:lvl1pPr>
-          </a:lstStyle>
-          <a:p>
-            <a:pPr algn="ctr"/>
-            <a:r>
-              <a:rPr lang="en-US" sz="1200" dirty="0">
-                <a:solidFill>
-                  <a:schemeClr val="tx1"/>
-                </a:solidFill>
-              </a:rPr>
-              <a:t>[not instance of </a:t>
-            </a:r>
-            <a:r>
-              <a:rPr lang="en-US" sz="1200" dirty="0" err="1">
-                <a:solidFill>
-                  <a:schemeClr val="tx1"/>
-                </a:solidFill>
-              </a:rPr>
-              <a:t>SetPreset</a:t>
-            </a:r>
-            <a:r>
-              <a:rPr lang="en-US" sz="1200" dirty="0">
-                <a:solidFill>
-                  <a:schemeClr val="tx1"/>
-                </a:solidFill>
-              </a:rPr>
-              <a:t> command]</a:t>
-            </a:r>
-          </a:p>
-        </p:txBody>
-      </p:sp>
-      <p:sp>
-        <p:nvSpPr>
-          <p:cNvPr id="214" name="Rectangle 213">
-            <a:extLst>
-              <a:ext uri="{FF2B5EF4-FFF2-40B4-BE49-F238E27FC236}">
-                <a16:creationId xmlns:a16="http://schemas.microsoft.com/office/drawing/2014/main" id="{FC135E66-364B-674D-966F-FA6D4F704540}"/>
-              </a:ext>
-            </a:extLst>
-          </p:cNvPr>
-          <p:cNvSpPr/>
-          <p:nvPr/>
-        </p:nvSpPr>
-        <p:spPr>
-          <a:xfrm>
-            <a:off x="7944877" y="3913286"/>
-            <a:ext cx="5968399" cy="822289"/>
-          </a:xfrm>
-          <a:prstGeom prst="rect">
-            <a:avLst/>
-          </a:prstGeom>
-          <a:noFill/>
-        </p:spPr>
-        <p:style>
-          <a:lnRef idx="2">
-            <a:schemeClr val="accent1">
-              <a:shade val="50000"/>
-            </a:schemeClr>
-          </a:lnRef>
-          <a:fillRef idx="1">
-            <a:schemeClr val="accent1"/>
-          </a:fillRef>
-          <a:effectRef idx="0">
-            <a:schemeClr val="accent1"/>
-          </a:effectRef>
-          <a:fontRef idx="minor">
-            <a:schemeClr val="lt1"/>
-          </a:fontRef>
-        </p:style>
-        <p:txBody>
-          <a:bodyPr rtlCol="0" anchor="ctr"/>
-          <a:lstStyle/>
-          <a:p>
-            <a:pPr algn="ctr"/>
-            <a:endParaRPr lang="en-SG"/>
-          </a:p>
-        </p:txBody>
-      </p:sp>
-      <p:sp>
-        <p:nvSpPr>
-          <p:cNvPr id="215" name="Snip and Round Single Corner Rectangle 214">
-            <a:extLst>
-              <a:ext uri="{FF2B5EF4-FFF2-40B4-BE49-F238E27FC236}">
-                <a16:creationId xmlns:a16="http://schemas.microsoft.com/office/drawing/2014/main" id="{5C3E0E5D-FB75-F242-B615-9618ED61F086}"/>
-              </a:ext>
-            </a:extLst>
-          </p:cNvPr>
-          <p:cNvSpPr/>
-          <p:nvPr/>
-        </p:nvSpPr>
-        <p:spPr>
-          <a:xfrm flipV="1">
-            <a:off x="7962838" y="3928226"/>
-            <a:ext cx="664818" cy="298984"/>
-          </a:xfrm>
-          <a:prstGeom prst="snipRoundRect">
-            <a:avLst/>
-          </a:prstGeom>
-          <a:noFill/>
-          <a:ln w="25400">
-            <a:solidFill>
-              <a:schemeClr val="tx1"/>
-            </a:solidFill>
-          </a:ln>
-        </p:spPr>
-        <p:style>
-          <a:lnRef idx="2">
-            <a:schemeClr val="accent1">
-              <a:shade val="50000"/>
-            </a:schemeClr>
-          </a:lnRef>
-          <a:fillRef idx="1">
-            <a:schemeClr val="accent1"/>
-          </a:fillRef>
-          <a:effectRef idx="0">
-            <a:schemeClr val="accent1"/>
-          </a:effectRef>
-          <a:fontRef idx="minor">
-            <a:schemeClr val="lt1"/>
-          </a:fontRef>
-        </p:style>
-        <p:txBody>
-          <a:bodyPr rtlCol="0" anchor="ctr"/>
-          <a:lstStyle/>
-          <a:p>
-            <a:pPr algn="ctr"/>
-            <a:endParaRPr lang="en-US"/>
-          </a:p>
-        </p:txBody>
-      </p:sp>
-      <p:sp>
-        <p:nvSpPr>
-          <p:cNvPr id="216" name="TextBox 215">
-            <a:extLst>
-              <a:ext uri="{FF2B5EF4-FFF2-40B4-BE49-F238E27FC236}">
-                <a16:creationId xmlns:a16="http://schemas.microsoft.com/office/drawing/2014/main" id="{DFD92AC1-D948-1847-804D-C75FA80931C8}"/>
-              </a:ext>
-            </a:extLst>
-          </p:cNvPr>
-          <p:cNvSpPr txBox="1"/>
-          <p:nvPr/>
-        </p:nvSpPr>
-        <p:spPr>
-          <a:xfrm>
-            <a:off x="8067842" y="3906086"/>
-            <a:ext cx="1738200" cy="276999"/>
-          </a:xfrm>
-          <a:prstGeom prst="rect">
-            <a:avLst/>
-          </a:prstGeom>
-          <a:noFill/>
-        </p:spPr>
-        <p:txBody>
-          <a:bodyPr wrap="square" rtlCol="0">
-            <a:spAutoFit/>
-          </a:bodyPr>
-          <a:lstStyle/>
-          <a:p>
-            <a:r>
-              <a:rPr lang="en-US" sz="1200" dirty="0"/>
-              <a:t>opt</a:t>
-            </a:r>
-          </a:p>
-        </p:txBody>
-      </p:sp>
-      <p:sp>
-        <p:nvSpPr>
-          <p:cNvPr id="217" name="TextBox 216">
-            <a:extLst>
-              <a:ext uri="{FF2B5EF4-FFF2-40B4-BE49-F238E27FC236}">
-                <a16:creationId xmlns:a16="http://schemas.microsoft.com/office/drawing/2014/main" id="{8AA1D05B-8D66-3E48-A7C7-067FAC8FB6D0}"/>
-              </a:ext>
-            </a:extLst>
-          </p:cNvPr>
-          <p:cNvSpPr txBox="1"/>
-          <p:nvPr/>
-        </p:nvSpPr>
-        <p:spPr>
-          <a:xfrm>
-            <a:off x="8577246" y="3944284"/>
-            <a:ext cx="2307450" cy="184666"/>
-          </a:xfrm>
-          <a:prstGeom prst="rect">
-            <a:avLst/>
-          </a:prstGeom>
-          <a:noFill/>
-        </p:spPr>
-        <p:txBody>
-          <a:bodyPr wrap="square" lIns="0" tIns="0" rIns="0" bIns="0" rtlCol="0">
-            <a:spAutoFit/>
-          </a:bodyPr>
-          <a:lstStyle>
-            <a:defPPr>
-              <a:defRPr lang="en-US"/>
-            </a:defPPr>
-            <a:lvl1pPr algn="r">
-              <a:defRPr sz="1400">
-                <a:solidFill>
-                  <a:srgbClr val="0070C0"/>
-                </a:solidFill>
-              </a:defRPr>
-            </a:lvl1pPr>
-          </a:lstStyle>
-          <a:p>
-            <a:pPr algn="ctr"/>
-            <a:r>
-              <a:rPr lang="en-US" sz="1200" dirty="0">
-                <a:solidFill>
-                  <a:schemeClr val="tx1"/>
-                </a:solidFill>
-              </a:rPr>
-              <a:t>[instance of </a:t>
-            </a:r>
-            <a:r>
-              <a:rPr lang="en-US" sz="1200" dirty="0" err="1">
-                <a:solidFill>
-                  <a:schemeClr val="tx1"/>
-                </a:solidFill>
-              </a:rPr>
-              <a:t>WaterMark</a:t>
-            </a:r>
-            <a:r>
-              <a:rPr lang="en-US" sz="1200" dirty="0">
-                <a:solidFill>
-                  <a:schemeClr val="tx1"/>
-                </a:solidFill>
-              </a:rPr>
-              <a:t> command]</a:t>
-            </a:r>
-          </a:p>
-        </p:txBody>
-      </p:sp>
-      <p:sp>
-        <p:nvSpPr>
-          <p:cNvPr id="218" name="Rectangle 62">
-            <a:extLst>
-              <a:ext uri="{FF2B5EF4-FFF2-40B4-BE49-F238E27FC236}">
-                <a16:creationId xmlns:a16="http://schemas.microsoft.com/office/drawing/2014/main" id="{B7DB84D7-FE62-2542-8958-B68098F0F555}"/>
-              </a:ext>
-            </a:extLst>
-          </p:cNvPr>
-          <p:cNvSpPr/>
-          <p:nvPr/>
-        </p:nvSpPr>
-        <p:spPr>
-          <a:xfrm>
-            <a:off x="11054091" y="4149920"/>
-            <a:ext cx="2116675" cy="280979"/>
-          </a:xfrm>
-          <a:prstGeom prst="rect">
-            <a:avLst/>
-          </a:prstGeom>
-          <a:solidFill>
-            <a:srgbClr val="0070C0"/>
-          </a:solidFill>
-          <a:ln w="19050">
-            <a:solidFill>
-              <a:srgbClr val="0070C0"/>
-            </a:solidFill>
-          </a:ln>
-          <a:effectLst/>
-        </p:spPr>
-        <p:style>
-          <a:lnRef idx="1">
-            <a:schemeClr val="accent2"/>
-          </a:lnRef>
-          <a:fillRef idx="2">
-            <a:schemeClr val="accent2"/>
-          </a:fillRef>
-          <a:effectRef idx="1">
-            <a:schemeClr val="accent2"/>
-          </a:effectRef>
-          <a:fontRef idx="minor">
-            <a:schemeClr val="dk1"/>
-          </a:fontRef>
-        </p:style>
-        <p:txBody>
-          <a:bodyPr rtlCol="0" anchor="ctr"/>
-          <a:lstStyle/>
-          <a:p>
-            <a:pPr algn="ctr"/>
-            <a:r>
-              <a:rPr lang="en-US" sz="1200" dirty="0">
-                <a:solidFill>
-                  <a:schemeClr val="bg1"/>
-                </a:solidFill>
-              </a:rPr>
-              <a:t>: </a:t>
-            </a:r>
-            <a:r>
-              <a:rPr lang="en-US" sz="1200" dirty="0" err="1">
-                <a:solidFill>
-                  <a:schemeClr val="bg1"/>
-                </a:solidFill>
-              </a:rPr>
-              <a:t>WaterMark</a:t>
-            </a:r>
-            <a:r>
-              <a:rPr lang="en-US" sz="1200" dirty="0">
-                <a:solidFill>
-                  <a:schemeClr val="bg1"/>
-                </a:solidFill>
-              </a:rPr>
-              <a:t> Command</a:t>
-            </a:r>
-            <a:endParaRPr lang="en-SG" sz="1200" dirty="0">
-              <a:solidFill>
-                <a:schemeClr val="bg1"/>
-              </a:solidFill>
-            </a:endParaRPr>
-          </a:p>
-        </p:txBody>
-      </p:sp>
-      <p:sp>
-        <p:nvSpPr>
-          <p:cNvPr id="219" name="Rectangle 218">
-            <a:extLst>
-              <a:ext uri="{FF2B5EF4-FFF2-40B4-BE49-F238E27FC236}">
-                <a16:creationId xmlns:a16="http://schemas.microsoft.com/office/drawing/2014/main" id="{BFF23784-4991-D14D-B0CA-6C22211C4D1E}"/>
-              </a:ext>
-            </a:extLst>
-          </p:cNvPr>
-          <p:cNvSpPr/>
-          <p:nvPr/>
-        </p:nvSpPr>
-        <p:spPr>
-          <a:xfrm>
-            <a:off x="12036228" y="4450630"/>
-            <a:ext cx="142520" cy="216903"/>
-          </a:xfrm>
-          <a:prstGeom prst="rect">
-            <a:avLst/>
-          </a:prstGeom>
-          <a:solidFill>
-            <a:srgbClr val="0070C0"/>
           </a:solidFill>
           <a:ln>
             <a:solidFill>
-              <a:srgbClr val="0070C0"/>
+              <a:schemeClr val="accent6">
+                <a:lumMod val="75000"/>
+              </a:schemeClr>
             </a:solidFill>
           </a:ln>
           <a:effectLst/>
@@ -6866,141 +7464,6 @@
           </a:p>
         </p:txBody>
       </p:sp>
-      <p:cxnSp>
-        <p:nvCxnSpPr>
-          <p:cNvPr id="220" name="Straight Arrow Connector 219">
-            <a:extLst>
-              <a:ext uri="{FF2B5EF4-FFF2-40B4-BE49-F238E27FC236}">
-                <a16:creationId xmlns:a16="http://schemas.microsoft.com/office/drawing/2014/main" id="{4B7E7658-B077-7840-B087-2BF3339F5422}"/>
-              </a:ext>
-            </a:extLst>
-          </p:cNvPr>
-          <p:cNvCxnSpPr>
-            <a:cxnSpLocks/>
-          </p:cNvCxnSpPr>
-          <p:nvPr/>
-        </p:nvCxnSpPr>
-        <p:spPr>
-          <a:xfrm>
-            <a:off x="6283219" y="4291691"/>
-            <a:ext cx="4770872" cy="0"/>
-          </a:xfrm>
-          <a:prstGeom prst="straightConnector1">
-            <a:avLst/>
-          </a:prstGeom>
-          <a:ln w="19050">
-            <a:solidFill>
-              <a:srgbClr val="0070C0"/>
-            </a:solidFill>
-            <a:tailEnd type="arrow"/>
-          </a:ln>
-        </p:spPr>
-        <p:style>
-          <a:lnRef idx="1">
-            <a:schemeClr val="accent1"/>
-          </a:lnRef>
-          <a:fillRef idx="0">
-            <a:schemeClr val="accent1"/>
-          </a:fillRef>
-          <a:effectRef idx="0">
-            <a:schemeClr val="accent1"/>
-          </a:effectRef>
-          <a:fontRef idx="minor">
-            <a:schemeClr val="tx1"/>
-          </a:fontRef>
-        </p:style>
-      </p:cxnSp>
-      <p:cxnSp>
-        <p:nvCxnSpPr>
-          <p:cNvPr id="221" name="Straight Arrow Connector 220">
-            <a:extLst>
-              <a:ext uri="{FF2B5EF4-FFF2-40B4-BE49-F238E27FC236}">
-                <a16:creationId xmlns:a16="http://schemas.microsoft.com/office/drawing/2014/main" id="{28BD6412-731E-2240-B852-6F03DE52B9C8}"/>
-              </a:ext>
-            </a:extLst>
-          </p:cNvPr>
-          <p:cNvCxnSpPr>
-            <a:cxnSpLocks/>
-          </p:cNvCxnSpPr>
-          <p:nvPr/>
-        </p:nvCxnSpPr>
-        <p:spPr>
-          <a:xfrm flipV="1">
-            <a:off x="6385834" y="4660931"/>
-            <a:ext cx="5644713" cy="20670"/>
-          </a:xfrm>
-          <a:prstGeom prst="straightConnector1">
-            <a:avLst/>
-          </a:prstGeom>
-          <a:ln w="19050">
-            <a:solidFill>
-              <a:srgbClr val="0070C0"/>
-            </a:solidFill>
-            <a:prstDash val="sysDash"/>
-            <a:headEnd type="arrow" w="med" len="med"/>
-            <a:tailEnd type="none" w="med" len="med"/>
-          </a:ln>
-        </p:spPr>
-        <p:style>
-          <a:lnRef idx="1">
-            <a:schemeClr val="accent1"/>
-          </a:lnRef>
-          <a:fillRef idx="0">
-            <a:schemeClr val="accent1"/>
-          </a:fillRef>
-          <a:effectRef idx="0">
-            <a:schemeClr val="accent1"/>
-          </a:effectRef>
-          <a:fontRef idx="minor">
-            <a:schemeClr val="tx1"/>
-          </a:fontRef>
-        </p:style>
-      </p:cxnSp>
-      <p:cxnSp>
-        <p:nvCxnSpPr>
-          <p:cNvPr id="222" name="Straight Connector 221">
-            <a:extLst>
-              <a:ext uri="{FF2B5EF4-FFF2-40B4-BE49-F238E27FC236}">
-                <a16:creationId xmlns:a16="http://schemas.microsoft.com/office/drawing/2014/main" id="{4E93F00B-BD8B-FD42-A6D6-0C2C6578BB1A}"/>
-              </a:ext>
-            </a:extLst>
-          </p:cNvPr>
-          <p:cNvCxnSpPr>
-            <a:cxnSpLocks/>
-          </p:cNvCxnSpPr>
-          <p:nvPr/>
-        </p:nvCxnSpPr>
-        <p:spPr>
-          <a:xfrm flipH="1">
-            <a:off x="12112428" y="4422291"/>
-            <a:ext cx="2257" cy="2293425"/>
-          </a:xfrm>
-          <a:prstGeom prst="line">
-            <a:avLst/>
-          </a:prstGeom>
-          <a:ln w="19050">
-            <a:solidFill>
-              <a:srgbClr val="0070C0"/>
-            </a:solidFill>
-            <a:prstDash val="sysDash"/>
-          </a:ln>
-          <a:effectLst/>
-        </p:spPr>
-        <p:style>
-          <a:lnRef idx="1">
-            <a:schemeClr val="accent1"/>
-          </a:lnRef>
-          <a:fillRef idx="2">
-            <a:schemeClr val="accent1"/>
-          </a:fillRef>
-          <a:effectRef idx="1">
-            <a:schemeClr val="accent1"/>
-          </a:effectRef>
-          <a:fontRef idx="minor">
-            <a:schemeClr val="dk1"/>
-          </a:fontRef>
-        </p:style>
-      </p:cxnSp>
     </p:spTree>
     <p:extLst>
       <p:ext uri="{BB962C8B-B14F-4D97-AF65-F5344CB8AC3E}">
